--- a/M9_poster.pptx
+++ b/M9_poster.pptx
@@ -4,6 +4,12 @@
   <p:sldMasterIdLst>
     <p:sldMasterId id="2147483660" r:id="rId1"/>
   </p:sldMasterIdLst>
+  <p:notesMasterIdLst>
+    <p:notesMasterId r:id="rId3"/>
+  </p:notesMasterIdLst>
+  <p:handoutMasterIdLst>
+    <p:handoutMasterId r:id="rId4"/>
+  </p:handoutMasterIdLst>
   <p:sldIdLst>
     <p:sldId id="256" r:id="rId2"/>
   </p:sldIdLst>
@@ -104,7 +110,558 @@
       </a:defRPr>
     </a:lvl9pPr>
   </p:defaultTextStyle>
+  <p:extLst>
+    <p:ext uri="{EFAFB233-063F-42B5-8137-9DF3F51BA10A}">
+      <p15:sldGuideLst xmlns:p15="http://schemas.microsoft.com/office/powerpoint/2012/main">
+        <p15:guide id="1" pos="9535" userDrawn="1">
+          <p15:clr>
+            <a:srgbClr val="A4A3A4"/>
+          </p15:clr>
+        </p15:guide>
+      </p15:sldGuideLst>
+    </p:ext>
+  </p:extLst>
 </p:presentation>
+</file>
+
+<file path=ppt/handoutMasters/handoutMaster1.xml><?xml version="1.0" encoding="utf-8"?>
+<p:handoutMaster xmlns:a="http://schemas.openxmlformats.org/drawingml/2006/main" xmlns:r="http://schemas.openxmlformats.org/officeDocument/2006/relationships" xmlns:p="http://schemas.openxmlformats.org/presentationml/2006/main">
+  <p:cSld>
+    <p:bg>
+      <p:bgRef idx="1001">
+        <a:schemeClr val="bg1"/>
+      </p:bgRef>
+    </p:bg>
+    <p:spTree>
+      <p:nvGrpSpPr>
+        <p:cNvPr id="1" name=""/>
+        <p:cNvGrpSpPr/>
+        <p:nvPr/>
+      </p:nvGrpSpPr>
+      <p:grpSpPr>
+        <a:xfrm>
+          <a:off x="0" y="0"/>
+          <a:ext cx="0" cy="0"/>
+          <a:chOff x="0" y="0"/>
+          <a:chExt cx="0" cy="0"/>
+        </a:xfrm>
+      </p:grpSpPr>
+      <p:sp>
+        <p:nvSpPr>
+          <p:cNvPr id="2" name="Header Placeholder 1">
+            <a:extLst>
+              <a:ext uri="{FF2B5EF4-FFF2-40B4-BE49-F238E27FC236}">
+                <a16:creationId xmlns:a16="http://schemas.microsoft.com/office/drawing/2014/main" id="{1262CB9C-202F-4891-8A82-9EDA178DC313}"/>
+              </a:ext>
+            </a:extLst>
+          </p:cNvPr>
+          <p:cNvSpPr>
+            <a:spLocks noGrp="1"/>
+          </p:cNvSpPr>
+          <p:nvPr>
+            <p:ph type="hdr" sz="quarter"/>
+          </p:nvPr>
+        </p:nvSpPr>
+        <p:spPr>
+          <a:xfrm>
+            <a:off x="0" y="0"/>
+            <a:ext cx="2971800" cy="458788"/>
+          </a:xfrm>
+          <a:prstGeom prst="rect">
+            <a:avLst/>
+          </a:prstGeom>
+        </p:spPr>
+        <p:txBody>
+          <a:bodyPr vert="horz" lIns="91440" tIns="45720" rIns="91440" bIns="45720" rtlCol="0"/>
+          <a:lstStyle>
+            <a:lvl1pPr algn="l">
+              <a:defRPr sz="1200"/>
+            </a:lvl1pPr>
+          </a:lstStyle>
+          <a:p>
+            <a:endParaRPr lang="en-US"/>
+          </a:p>
+        </p:txBody>
+      </p:sp>
+      <p:sp>
+        <p:nvSpPr>
+          <p:cNvPr id="3" name="Date Placeholder 2">
+            <a:extLst>
+              <a:ext uri="{FF2B5EF4-FFF2-40B4-BE49-F238E27FC236}">
+                <a16:creationId xmlns:a16="http://schemas.microsoft.com/office/drawing/2014/main" id="{B06C4076-D71F-487B-B8A0-550717365403}"/>
+              </a:ext>
+            </a:extLst>
+          </p:cNvPr>
+          <p:cNvSpPr>
+            <a:spLocks noGrp="1"/>
+          </p:cNvSpPr>
+          <p:nvPr>
+            <p:ph type="dt" sz="quarter" idx="1"/>
+          </p:nvPr>
+        </p:nvSpPr>
+        <p:spPr>
+          <a:xfrm>
+            <a:off x="3884613" y="0"/>
+            <a:ext cx="2971800" cy="458788"/>
+          </a:xfrm>
+          <a:prstGeom prst="rect">
+            <a:avLst/>
+          </a:prstGeom>
+        </p:spPr>
+        <p:txBody>
+          <a:bodyPr vert="horz" lIns="91440" tIns="45720" rIns="91440" bIns="45720" rtlCol="0"/>
+          <a:lstStyle>
+            <a:lvl1pPr algn="r">
+              <a:defRPr sz="1200"/>
+            </a:lvl1pPr>
+          </a:lstStyle>
+          <a:p>
+            <a:fld id="{A9C9B128-F4BE-4D7A-AFD9-2AB1AE347F72}" type="datetimeFigureOut">
+              <a:rPr lang="en-US" smtClean="0"/>
+              <a:t>12/16/2019</a:t>
+            </a:fld>
+            <a:endParaRPr lang="en-US"/>
+          </a:p>
+        </p:txBody>
+      </p:sp>
+      <p:sp>
+        <p:nvSpPr>
+          <p:cNvPr id="4" name="Footer Placeholder 3">
+            <a:extLst>
+              <a:ext uri="{FF2B5EF4-FFF2-40B4-BE49-F238E27FC236}">
+                <a16:creationId xmlns:a16="http://schemas.microsoft.com/office/drawing/2014/main" id="{5240365C-1681-4293-AE88-D661D6534B8E}"/>
+              </a:ext>
+            </a:extLst>
+          </p:cNvPr>
+          <p:cNvSpPr>
+            <a:spLocks noGrp="1"/>
+          </p:cNvSpPr>
+          <p:nvPr>
+            <p:ph type="ftr" sz="quarter" idx="2"/>
+          </p:nvPr>
+        </p:nvSpPr>
+        <p:spPr>
+          <a:xfrm>
+            <a:off x="0" y="8685213"/>
+            <a:ext cx="2971800" cy="458787"/>
+          </a:xfrm>
+          <a:prstGeom prst="rect">
+            <a:avLst/>
+          </a:prstGeom>
+        </p:spPr>
+        <p:txBody>
+          <a:bodyPr vert="horz" lIns="91440" tIns="45720" rIns="91440" bIns="45720" rtlCol="0" anchor="b"/>
+          <a:lstStyle>
+            <a:lvl1pPr algn="l">
+              <a:defRPr sz="1200"/>
+            </a:lvl1pPr>
+          </a:lstStyle>
+          <a:p>
+            <a:endParaRPr lang="en-US"/>
+          </a:p>
+        </p:txBody>
+      </p:sp>
+      <p:sp>
+        <p:nvSpPr>
+          <p:cNvPr id="5" name="Slide Number Placeholder 4">
+            <a:extLst>
+              <a:ext uri="{FF2B5EF4-FFF2-40B4-BE49-F238E27FC236}">
+                <a16:creationId xmlns:a16="http://schemas.microsoft.com/office/drawing/2014/main" id="{CA864648-43B9-4E64-939D-7D7D8D236DAF}"/>
+              </a:ext>
+            </a:extLst>
+          </p:cNvPr>
+          <p:cNvSpPr>
+            <a:spLocks noGrp="1"/>
+          </p:cNvSpPr>
+          <p:nvPr>
+            <p:ph type="sldNum" sz="quarter" idx="3"/>
+          </p:nvPr>
+        </p:nvSpPr>
+        <p:spPr>
+          <a:xfrm>
+            <a:off x="3884613" y="8685213"/>
+            <a:ext cx="2971800" cy="458787"/>
+          </a:xfrm>
+          <a:prstGeom prst="rect">
+            <a:avLst/>
+          </a:prstGeom>
+        </p:spPr>
+        <p:txBody>
+          <a:bodyPr vert="horz" lIns="91440" tIns="45720" rIns="91440" bIns="45720" rtlCol="0" anchor="b"/>
+          <a:lstStyle>
+            <a:lvl1pPr algn="r">
+              <a:defRPr sz="1200"/>
+            </a:lvl1pPr>
+          </a:lstStyle>
+          <a:p>
+            <a:fld id="{626FFD18-84B7-49A9-A449-9D65286B3840}" type="slidenum">
+              <a:rPr lang="en-US" smtClean="0"/>
+              <a:t>‹#›</a:t>
+            </a:fld>
+            <a:endParaRPr lang="en-US"/>
+          </a:p>
+        </p:txBody>
+      </p:sp>
+    </p:spTree>
+    <p:extLst>
+      <p:ext uri="{BB962C8B-B14F-4D97-AF65-F5344CB8AC3E}">
+        <p14:creationId xmlns:p14="http://schemas.microsoft.com/office/powerpoint/2010/main" val="2762572034"/>
+      </p:ext>
+    </p:extLst>
+  </p:cSld>
+  <p:clrMap bg1="lt1" tx1="dk1" bg2="lt2" tx2="dk2" accent1="accent1" accent2="accent2" accent3="accent3" accent4="accent4" accent5="accent5" accent6="accent6" hlink="hlink" folHlink="folHlink"/>
+  <p:hf sldNum="0" hdr="0" ftr="0" dt="0"/>
+</p:handoutMaster>
+</file>
+
+<file path=ppt/notesMasters/notesMaster1.xml><?xml version="1.0" encoding="utf-8"?>
+<p:notesMaster xmlns:a="http://schemas.openxmlformats.org/drawingml/2006/main" xmlns:r="http://schemas.openxmlformats.org/officeDocument/2006/relationships" xmlns:p="http://schemas.openxmlformats.org/presentationml/2006/main">
+  <p:cSld>
+    <p:bg>
+      <p:bgRef idx="1001">
+        <a:schemeClr val="bg1"/>
+      </p:bgRef>
+    </p:bg>
+    <p:spTree>
+      <p:nvGrpSpPr>
+        <p:cNvPr id="1" name=""/>
+        <p:cNvGrpSpPr/>
+        <p:nvPr/>
+      </p:nvGrpSpPr>
+      <p:grpSpPr>
+        <a:xfrm>
+          <a:off x="0" y="0"/>
+          <a:ext cx="0" cy="0"/>
+          <a:chOff x="0" y="0"/>
+          <a:chExt cx="0" cy="0"/>
+        </a:xfrm>
+      </p:grpSpPr>
+      <p:sp>
+        <p:nvSpPr>
+          <p:cNvPr id="2" name="Header Placeholder 1"/>
+          <p:cNvSpPr>
+            <a:spLocks noGrp="1"/>
+          </p:cNvSpPr>
+          <p:nvPr>
+            <p:ph type="hdr" sz="quarter"/>
+          </p:nvPr>
+        </p:nvSpPr>
+        <p:spPr>
+          <a:xfrm>
+            <a:off x="0" y="0"/>
+            <a:ext cx="2971800" cy="458788"/>
+          </a:xfrm>
+          <a:prstGeom prst="rect">
+            <a:avLst/>
+          </a:prstGeom>
+        </p:spPr>
+        <p:txBody>
+          <a:bodyPr vert="horz" lIns="91440" tIns="45720" rIns="91440" bIns="45720" rtlCol="0"/>
+          <a:lstStyle>
+            <a:lvl1pPr algn="l">
+              <a:defRPr sz="1200"/>
+            </a:lvl1pPr>
+          </a:lstStyle>
+          <a:p>
+            <a:endParaRPr lang="en-US"/>
+          </a:p>
+        </p:txBody>
+      </p:sp>
+      <p:sp>
+        <p:nvSpPr>
+          <p:cNvPr id="3" name="Date Placeholder 2"/>
+          <p:cNvSpPr>
+            <a:spLocks noGrp="1"/>
+          </p:cNvSpPr>
+          <p:nvPr>
+            <p:ph type="dt" idx="1"/>
+          </p:nvPr>
+        </p:nvSpPr>
+        <p:spPr>
+          <a:xfrm>
+            <a:off x="3884613" y="0"/>
+            <a:ext cx="2971800" cy="458788"/>
+          </a:xfrm>
+          <a:prstGeom prst="rect">
+            <a:avLst/>
+          </a:prstGeom>
+        </p:spPr>
+        <p:txBody>
+          <a:bodyPr vert="horz" lIns="91440" tIns="45720" rIns="91440" bIns="45720" rtlCol="0"/>
+          <a:lstStyle>
+            <a:lvl1pPr algn="r">
+              <a:defRPr sz="1200"/>
+            </a:lvl1pPr>
+          </a:lstStyle>
+          <a:p>
+            <a:fld id="{58D2F95E-5996-4C9B-BC24-BE08262D659D}" type="datetimeFigureOut">
+              <a:rPr lang="en-US" smtClean="0"/>
+              <a:t>12/16/2019</a:t>
+            </a:fld>
+            <a:endParaRPr lang="en-US"/>
+          </a:p>
+        </p:txBody>
+      </p:sp>
+      <p:sp>
+        <p:nvSpPr>
+          <p:cNvPr id="4" name="Slide Image Placeholder 3"/>
+          <p:cNvSpPr>
+            <a:spLocks noGrp="1" noRot="1" noChangeAspect="1"/>
+          </p:cNvSpPr>
+          <p:nvPr>
+            <p:ph type="sldImg" idx="2"/>
+          </p:nvPr>
+        </p:nvSpPr>
+        <p:spPr>
+          <a:xfrm>
+            <a:off x="2338388" y="1143000"/>
+            <a:ext cx="2181225" cy="3086100"/>
+          </a:xfrm>
+          <a:prstGeom prst="rect">
+            <a:avLst/>
+          </a:prstGeom>
+          <a:noFill/>
+          <a:ln w="12700">
+            <a:solidFill>
+              <a:prstClr val="black"/>
+            </a:solidFill>
+          </a:ln>
+        </p:spPr>
+        <p:txBody>
+          <a:bodyPr vert="horz" lIns="91440" tIns="45720" rIns="91440" bIns="45720" rtlCol="0" anchor="ctr"/>
+          <a:lstStyle/>
+          <a:p>
+            <a:endParaRPr lang="en-US"/>
+          </a:p>
+        </p:txBody>
+      </p:sp>
+      <p:sp>
+        <p:nvSpPr>
+          <p:cNvPr id="5" name="Notes Placeholder 4"/>
+          <p:cNvSpPr>
+            <a:spLocks noGrp="1"/>
+          </p:cNvSpPr>
+          <p:nvPr>
+            <p:ph type="body" sz="quarter" idx="3"/>
+          </p:nvPr>
+        </p:nvSpPr>
+        <p:spPr>
+          <a:xfrm>
+            <a:off x="685800" y="4400550"/>
+            <a:ext cx="5486400" cy="3600450"/>
+          </a:xfrm>
+          <a:prstGeom prst="rect">
+            <a:avLst/>
+          </a:prstGeom>
+        </p:spPr>
+        <p:txBody>
+          <a:bodyPr vert="horz" lIns="91440" tIns="45720" rIns="91440" bIns="45720" rtlCol="0"/>
+          <a:lstStyle/>
+          <a:p>
+            <a:pPr lvl="0"/>
+            <a:r>
+              <a:rPr lang="en-US"/>
+              <a:t>Click to edit Master text styles</a:t>
+            </a:r>
+          </a:p>
+          <a:p>
+            <a:pPr lvl="1"/>
+            <a:r>
+              <a:rPr lang="en-US"/>
+              <a:t>Second level</a:t>
+            </a:r>
+          </a:p>
+          <a:p>
+            <a:pPr lvl="2"/>
+            <a:r>
+              <a:rPr lang="en-US"/>
+              <a:t>Third level</a:t>
+            </a:r>
+          </a:p>
+          <a:p>
+            <a:pPr lvl="3"/>
+            <a:r>
+              <a:rPr lang="en-US"/>
+              <a:t>Fourth level</a:t>
+            </a:r>
+          </a:p>
+          <a:p>
+            <a:pPr lvl="4"/>
+            <a:r>
+              <a:rPr lang="en-US"/>
+              <a:t>Fifth level</a:t>
+            </a:r>
+          </a:p>
+        </p:txBody>
+      </p:sp>
+      <p:sp>
+        <p:nvSpPr>
+          <p:cNvPr id="6" name="Footer Placeholder 5"/>
+          <p:cNvSpPr>
+            <a:spLocks noGrp="1"/>
+          </p:cNvSpPr>
+          <p:nvPr>
+            <p:ph type="ftr" sz="quarter" idx="4"/>
+          </p:nvPr>
+        </p:nvSpPr>
+        <p:spPr>
+          <a:xfrm>
+            <a:off x="0" y="8685213"/>
+            <a:ext cx="2971800" cy="458787"/>
+          </a:xfrm>
+          <a:prstGeom prst="rect">
+            <a:avLst/>
+          </a:prstGeom>
+        </p:spPr>
+        <p:txBody>
+          <a:bodyPr vert="horz" lIns="91440" tIns="45720" rIns="91440" bIns="45720" rtlCol="0" anchor="b"/>
+          <a:lstStyle>
+            <a:lvl1pPr algn="l">
+              <a:defRPr sz="1200"/>
+            </a:lvl1pPr>
+          </a:lstStyle>
+          <a:p>
+            <a:endParaRPr lang="en-US"/>
+          </a:p>
+        </p:txBody>
+      </p:sp>
+      <p:sp>
+        <p:nvSpPr>
+          <p:cNvPr id="7" name="Slide Number Placeholder 6"/>
+          <p:cNvSpPr>
+            <a:spLocks noGrp="1"/>
+          </p:cNvSpPr>
+          <p:nvPr>
+            <p:ph type="sldNum" sz="quarter" idx="5"/>
+          </p:nvPr>
+        </p:nvSpPr>
+        <p:spPr>
+          <a:xfrm>
+            <a:off x="3884613" y="8685213"/>
+            <a:ext cx="2971800" cy="458787"/>
+          </a:xfrm>
+          <a:prstGeom prst="rect">
+            <a:avLst/>
+          </a:prstGeom>
+        </p:spPr>
+        <p:txBody>
+          <a:bodyPr vert="horz" lIns="91440" tIns="45720" rIns="91440" bIns="45720" rtlCol="0" anchor="b"/>
+          <a:lstStyle>
+            <a:lvl1pPr algn="r">
+              <a:defRPr sz="1200"/>
+            </a:lvl1pPr>
+          </a:lstStyle>
+          <a:p>
+            <a:fld id="{5D851ABD-A63A-4CE4-8FCD-338DD56D88D6}" type="slidenum">
+              <a:rPr lang="en-US" smtClean="0"/>
+              <a:t>‹#›</a:t>
+            </a:fld>
+            <a:endParaRPr lang="en-US"/>
+          </a:p>
+        </p:txBody>
+      </p:sp>
+    </p:spTree>
+    <p:extLst>
+      <p:ext uri="{BB962C8B-B14F-4D97-AF65-F5344CB8AC3E}">
+        <p14:creationId xmlns:p14="http://schemas.microsoft.com/office/powerpoint/2010/main" val="1322553137"/>
+      </p:ext>
+    </p:extLst>
+  </p:cSld>
+  <p:clrMap bg1="lt1" tx1="dk1" bg2="lt2" tx2="dk2" accent1="accent1" accent2="accent2" accent3="accent3" accent4="accent4" accent5="accent5" accent6="accent6" hlink="hlink" folHlink="folHlink"/>
+  <p:hf sldNum="0" hdr="0" ftr="0" dt="0"/>
+  <p:notesStyle>
+    <a:lvl1pPr marL="0" algn="l" defTabSz="914400" rtl="0" eaLnBrk="1" latinLnBrk="0" hangingPunct="1">
+      <a:defRPr sz="1200" kern="1200">
+        <a:solidFill>
+          <a:schemeClr val="tx1"/>
+        </a:solidFill>
+        <a:latin typeface="+mn-lt"/>
+        <a:ea typeface="+mn-ea"/>
+        <a:cs typeface="+mn-cs"/>
+      </a:defRPr>
+    </a:lvl1pPr>
+    <a:lvl2pPr marL="457200" algn="l" defTabSz="914400" rtl="0" eaLnBrk="1" latinLnBrk="0" hangingPunct="1">
+      <a:defRPr sz="1200" kern="1200">
+        <a:solidFill>
+          <a:schemeClr val="tx1"/>
+        </a:solidFill>
+        <a:latin typeface="+mn-lt"/>
+        <a:ea typeface="+mn-ea"/>
+        <a:cs typeface="+mn-cs"/>
+      </a:defRPr>
+    </a:lvl2pPr>
+    <a:lvl3pPr marL="914400" algn="l" defTabSz="914400" rtl="0" eaLnBrk="1" latinLnBrk="0" hangingPunct="1">
+      <a:defRPr sz="1200" kern="1200">
+        <a:solidFill>
+          <a:schemeClr val="tx1"/>
+        </a:solidFill>
+        <a:latin typeface="+mn-lt"/>
+        <a:ea typeface="+mn-ea"/>
+        <a:cs typeface="+mn-cs"/>
+      </a:defRPr>
+    </a:lvl3pPr>
+    <a:lvl4pPr marL="1371600" algn="l" defTabSz="914400" rtl="0" eaLnBrk="1" latinLnBrk="0" hangingPunct="1">
+      <a:defRPr sz="1200" kern="1200">
+        <a:solidFill>
+          <a:schemeClr val="tx1"/>
+        </a:solidFill>
+        <a:latin typeface="+mn-lt"/>
+        <a:ea typeface="+mn-ea"/>
+        <a:cs typeface="+mn-cs"/>
+      </a:defRPr>
+    </a:lvl4pPr>
+    <a:lvl5pPr marL="1828800" algn="l" defTabSz="914400" rtl="0" eaLnBrk="1" latinLnBrk="0" hangingPunct="1">
+      <a:defRPr sz="1200" kern="1200">
+        <a:solidFill>
+          <a:schemeClr val="tx1"/>
+        </a:solidFill>
+        <a:latin typeface="+mn-lt"/>
+        <a:ea typeface="+mn-ea"/>
+        <a:cs typeface="+mn-cs"/>
+      </a:defRPr>
+    </a:lvl5pPr>
+    <a:lvl6pPr marL="2286000" algn="l" defTabSz="914400" rtl="0" eaLnBrk="1" latinLnBrk="0" hangingPunct="1">
+      <a:defRPr sz="1200" kern="1200">
+        <a:solidFill>
+          <a:schemeClr val="tx1"/>
+        </a:solidFill>
+        <a:latin typeface="+mn-lt"/>
+        <a:ea typeface="+mn-ea"/>
+        <a:cs typeface="+mn-cs"/>
+      </a:defRPr>
+    </a:lvl6pPr>
+    <a:lvl7pPr marL="2743200" algn="l" defTabSz="914400" rtl="0" eaLnBrk="1" latinLnBrk="0" hangingPunct="1">
+      <a:defRPr sz="1200" kern="1200">
+        <a:solidFill>
+          <a:schemeClr val="tx1"/>
+        </a:solidFill>
+        <a:latin typeface="+mn-lt"/>
+        <a:ea typeface="+mn-ea"/>
+        <a:cs typeface="+mn-cs"/>
+      </a:defRPr>
+    </a:lvl7pPr>
+    <a:lvl8pPr marL="3200400" algn="l" defTabSz="914400" rtl="0" eaLnBrk="1" latinLnBrk="0" hangingPunct="1">
+      <a:defRPr sz="1200" kern="1200">
+        <a:solidFill>
+          <a:schemeClr val="tx1"/>
+        </a:solidFill>
+        <a:latin typeface="+mn-lt"/>
+        <a:ea typeface="+mn-ea"/>
+        <a:cs typeface="+mn-cs"/>
+      </a:defRPr>
+    </a:lvl8pPr>
+    <a:lvl9pPr marL="3657600" algn="l" defTabSz="914400" rtl="0" eaLnBrk="1" latinLnBrk="0" hangingPunct="1">
+      <a:defRPr sz="1200" kern="1200">
+        <a:solidFill>
+          <a:schemeClr val="tx1"/>
+        </a:solidFill>
+        <a:latin typeface="+mn-lt"/>
+        <a:ea typeface="+mn-ea"/>
+        <a:cs typeface="+mn-cs"/>
+      </a:defRPr>
+    </a:lvl9pPr>
+  </p:notesStyle>
+</p:notesMaster>
 </file>
 
 <file path=ppt/slideLayouts/slideLayout1.xml><?xml version="1.0" encoding="utf-8"?>
@@ -238,7 +795,7 @@
           <a:p>
             <a:fld id="{89466727-8F6B-4EB6-8EFC-909E476A2B66}" type="datetimeFigureOut">
               <a:rPr lang="en-US" smtClean="0"/>
-              <a:t>12/15/2019</a:t>
+              <a:t>12/16/2019</a:t>
             </a:fld>
             <a:endParaRPr lang="en-US"/>
           </a:p>
@@ -408,7 +965,7 @@
           <a:p>
             <a:fld id="{89466727-8F6B-4EB6-8EFC-909E476A2B66}" type="datetimeFigureOut">
               <a:rPr lang="en-US" smtClean="0"/>
-              <a:t>12/15/2019</a:t>
+              <a:t>12/16/2019</a:t>
             </a:fld>
             <a:endParaRPr lang="en-US"/>
           </a:p>
@@ -588,7 +1145,7 @@
           <a:p>
             <a:fld id="{89466727-8F6B-4EB6-8EFC-909E476A2B66}" type="datetimeFigureOut">
               <a:rPr lang="en-US" smtClean="0"/>
-              <a:t>12/15/2019</a:t>
+              <a:t>12/16/2019</a:t>
             </a:fld>
             <a:endParaRPr lang="en-US"/>
           </a:p>
@@ -758,7 +1315,7 @@
           <a:p>
             <a:fld id="{89466727-8F6B-4EB6-8EFC-909E476A2B66}" type="datetimeFigureOut">
               <a:rPr lang="en-US" smtClean="0"/>
-              <a:t>12/15/2019</a:t>
+              <a:t>12/16/2019</a:t>
             </a:fld>
             <a:endParaRPr lang="en-US"/>
           </a:p>
@@ -1002,7 +1559,7 @@
           <a:p>
             <a:fld id="{89466727-8F6B-4EB6-8EFC-909E476A2B66}" type="datetimeFigureOut">
               <a:rPr lang="en-US" smtClean="0"/>
-              <a:t>12/15/2019</a:t>
+              <a:t>12/16/2019</a:t>
             </a:fld>
             <a:endParaRPr lang="en-US"/>
           </a:p>
@@ -1234,7 +1791,7 @@
           <a:p>
             <a:fld id="{89466727-8F6B-4EB6-8EFC-909E476A2B66}" type="datetimeFigureOut">
               <a:rPr lang="en-US" smtClean="0"/>
-              <a:t>12/15/2019</a:t>
+              <a:t>12/16/2019</a:t>
             </a:fld>
             <a:endParaRPr lang="en-US"/>
           </a:p>
@@ -1601,7 +2158,7 @@
           <a:p>
             <a:fld id="{89466727-8F6B-4EB6-8EFC-909E476A2B66}" type="datetimeFigureOut">
               <a:rPr lang="en-US" smtClean="0"/>
-              <a:t>12/15/2019</a:t>
+              <a:t>12/16/2019</a:t>
             </a:fld>
             <a:endParaRPr lang="en-US"/>
           </a:p>
@@ -1719,7 +2276,7 @@
           <a:p>
             <a:fld id="{89466727-8F6B-4EB6-8EFC-909E476A2B66}" type="datetimeFigureOut">
               <a:rPr lang="en-US" smtClean="0"/>
-              <a:t>12/15/2019</a:t>
+              <a:t>12/16/2019</a:t>
             </a:fld>
             <a:endParaRPr lang="en-US"/>
           </a:p>
@@ -1814,7 +2371,7 @@
           <a:p>
             <a:fld id="{89466727-8F6B-4EB6-8EFC-909E476A2B66}" type="datetimeFigureOut">
               <a:rPr lang="en-US" smtClean="0"/>
-              <a:t>12/15/2019</a:t>
+              <a:t>12/16/2019</a:t>
             </a:fld>
             <a:endParaRPr lang="en-US"/>
           </a:p>
@@ -2091,7 +2648,7 @@
           <a:p>
             <a:fld id="{89466727-8F6B-4EB6-8EFC-909E476A2B66}" type="datetimeFigureOut">
               <a:rPr lang="en-US" smtClean="0"/>
-              <a:t>12/15/2019</a:t>
+              <a:t>12/16/2019</a:t>
             </a:fld>
             <a:endParaRPr lang="en-US"/>
           </a:p>
@@ -2348,7 +2905,7 @@
           <a:p>
             <a:fld id="{89466727-8F6B-4EB6-8EFC-909E476A2B66}" type="datetimeFigureOut">
               <a:rPr lang="en-US" smtClean="0"/>
-              <a:t>12/15/2019</a:t>
+              <a:t>12/16/2019</a:t>
             </a:fld>
             <a:endParaRPr lang="en-US"/>
           </a:p>
@@ -2561,7 +3118,7 @@
           <a:p>
             <a:fld id="{89466727-8F6B-4EB6-8EFC-909E476A2B66}" type="datetimeFigureOut">
               <a:rPr lang="en-US" smtClean="0"/>
-              <a:t>12/15/2019</a:t>
+              <a:t>12/16/2019</a:t>
             </a:fld>
             <a:endParaRPr lang="en-US"/>
           </a:p>
@@ -2999,9 +3556,16 @@
           </a:bodyPr>
           <a:lstStyle/>
           <a:p>
-            <a:pPr algn="ctr"/>
-            <a:r>
-              <a:rPr lang="en-US" sz="8500" b="1" dirty="0">
+            <a:r>
+              <a:rPr lang="et-EE" sz="9600" b="1" dirty="0">
+                <a:solidFill>
+                  <a:schemeClr val="bg1"/>
+                </a:solidFill>
+              </a:rPr>
+              <a:t>   </a:t>
+            </a:r>
+            <a:r>
+              <a:rPr lang="en-US" sz="9600" b="1" dirty="0">
                 <a:solidFill>
                   <a:schemeClr val="bg1"/>
                 </a:solidFill>
@@ -3029,27 +3593,30 @@
         </p:nvSpPr>
         <p:spPr>
           <a:xfrm>
-            <a:off x="2081421" y="6160168"/>
-            <a:ext cx="12866966" cy="32392946"/>
+            <a:off x="1155032" y="6160168"/>
+            <a:ext cx="13982573" cy="4250649"/>
           </a:xfrm>
         </p:spPr>
         <p:txBody>
           <a:bodyPr>
-            <a:normAutofit/>
+            <a:normAutofit fontScale="25000" lnSpcReduction="20000"/>
           </a:bodyPr>
           <a:lstStyle/>
           <a:p>
             <a:r>
-              <a:rPr lang="en-US" sz="3600" dirty="0"/>
+              <a:rPr lang="en-US" sz="28800" dirty="0"/>
               <a:t>Introduction</a:t>
             </a:r>
           </a:p>
           <a:p>
-            <a:r>
-              <a:rPr lang="en-US" sz="2400" dirty="0"/>
+            <a:pPr marL="0" indent="0">
+              <a:buNone/>
+            </a:pPr>
+            <a:r>
+              <a:rPr lang="en-US" sz="16000" dirty="0"/>
               <a:t>An exoplanet is defined as a planet which orbits a star outside our own solar system. Exoplanets are a field of research for astronomers and astrophysicists to gather more data on different planetary systems and make better theories on system formation and evolution. Also of great interest is the possibility of extraterrestrial life existing. Studying exoplanets could help answer the age-old question: are we alone in the universe?</a:t>
             </a:r>
-            <a:endParaRPr lang="et-EE" sz="2400" dirty="0"/>
+            <a:endParaRPr lang="et-EE" sz="16000" dirty="0"/>
           </a:p>
           <a:p>
             <a:endParaRPr lang="en-US" sz="4400" dirty="0"/>
@@ -3065,38 +3632,41 @@
           </a:p>
         </p:txBody>
       </p:sp>
-      <p:sp>
-        <p:nvSpPr>
-          <p:cNvPr id="7" name="Content Placeholder 6">
+      <p:pic>
+        <p:nvPicPr>
+          <p:cNvPr id="3" name="Content Placeholder 2" descr="A picture containing drawing&#10;&#10;Description automatically generated">
             <a:extLst>
               <a:ext uri="{FF2B5EF4-FFF2-40B4-BE49-F238E27FC236}">
-                <a16:creationId xmlns:a16="http://schemas.microsoft.com/office/drawing/2014/main" id="{1615B387-EA22-44FE-9EFF-8787F24DABC0}"/>
+                <a16:creationId xmlns:a16="http://schemas.microsoft.com/office/drawing/2014/main" id="{C5A8223D-977A-40F1-8574-A54BFBB55F36}"/>
               </a:ext>
             </a:extLst>
           </p:cNvPr>
-          <p:cNvSpPr>
-            <a:spLocks noGrp="1"/>
-          </p:cNvSpPr>
+          <p:cNvPicPr>
+            <a:picLocks noGrp="1" noChangeAspect="1"/>
+          </p:cNvPicPr>
           <p:nvPr>
             <p:ph sz="half" idx="2"/>
           </p:nvPr>
-        </p:nvSpPr>
+        </p:nvPicPr>
+        <p:blipFill>
+          <a:blip r:embed="rId2">
+            <a:extLst>
+              <a:ext uri="{28A0092B-C50C-407E-A947-70E740481C1C}">
+                <a14:useLocalDpi xmlns:a14="http://schemas.microsoft.com/office/drawing/2010/main" val="0"/>
+              </a:ext>
+            </a:extLst>
+          </a:blip>
+          <a:stretch>
+            <a:fillRect/>
+          </a:stretch>
+        </p:blipFill>
         <p:spPr>
           <a:xfrm>
-            <a:off x="15326826" y="6160168"/>
-            <a:ext cx="12866966" cy="32392946"/>
+            <a:off x="22136406" y="878078"/>
+            <a:ext cx="8523817" cy="2884887"/>
           </a:xfrm>
         </p:spPr>
-        <p:txBody>
-          <a:bodyPr>
-            <a:normAutofit/>
-          </a:bodyPr>
-          <a:lstStyle/>
-          <a:p>
-            <a:endParaRPr lang="en-US" dirty="0"/>
-          </a:p>
-        </p:txBody>
-      </p:sp>
+      </p:pic>
       <p:sp>
         <p:nvSpPr>
           <p:cNvPr id="8" name="Rectangle 7">
@@ -3111,7 +3681,7 @@
         </p:nvSpPr>
         <p:spPr>
           <a:xfrm>
-            <a:off x="5378176" y="2888783"/>
+            <a:off x="-2835981" y="2747302"/>
             <a:ext cx="19140422" cy="1015663"/>
           </a:xfrm>
           <a:prstGeom prst="rect">
@@ -3126,7 +3696,7 @@
           <a:p>
             <a:pPr algn="ctr"/>
             <a:r>
-              <a:rPr lang="et-EE" sz="5600" dirty="0" err="1">
+              <a:rPr lang="et-EE" sz="6000" dirty="0" err="1">
                 <a:solidFill>
                   <a:schemeClr val="bg1"/>
                 </a:solidFill>
@@ -3149,6 +3719,277 @@
           </a:p>
         </p:txBody>
       </p:sp>
+      <p:sp>
+        <p:nvSpPr>
+          <p:cNvPr id="12" name="Footer Placeholder 11">
+            <a:extLst>
+              <a:ext uri="{FF2B5EF4-FFF2-40B4-BE49-F238E27FC236}">
+                <a16:creationId xmlns:a16="http://schemas.microsoft.com/office/drawing/2014/main" id="{E5399548-9121-42C8-89BC-9DF99F870995}"/>
+              </a:ext>
+            </a:extLst>
+          </p:cNvPr>
+          <p:cNvSpPr>
+            <a:spLocks noGrp="1"/>
+          </p:cNvSpPr>
+          <p:nvPr>
+            <p:ph type="ftr" sz="quarter" idx="11"/>
+          </p:nvPr>
+        </p:nvSpPr>
+        <p:spPr>
+          <a:xfrm>
+            <a:off x="0" y="40907368"/>
+            <a:ext cx="30275213" cy="1896394"/>
+          </a:xfrm>
+          <a:solidFill>
+            <a:schemeClr val="accent1">
+              <a:lumMod val="75000"/>
+            </a:schemeClr>
+          </a:solidFill>
+        </p:spPr>
+        <p:txBody>
+          <a:bodyPr/>
+          <a:lstStyle/>
+          <a:p>
+            <a:endParaRPr lang="en-US" dirty="0"/>
+          </a:p>
+        </p:txBody>
+      </p:sp>
+      <p:sp>
+        <p:nvSpPr>
+          <p:cNvPr id="13" name="TextBox 12">
+            <a:extLst>
+              <a:ext uri="{FF2B5EF4-FFF2-40B4-BE49-F238E27FC236}">
+                <a16:creationId xmlns:a16="http://schemas.microsoft.com/office/drawing/2014/main" id="{2F3B50F1-DCE9-471E-86CF-36DA7D726D1E}"/>
+              </a:ext>
+            </a:extLst>
+          </p:cNvPr>
+          <p:cNvSpPr txBox="1"/>
+          <p:nvPr/>
+        </p:nvSpPr>
+        <p:spPr>
+          <a:xfrm>
+            <a:off x="1203158" y="12320336"/>
+            <a:ext cx="13982573" cy="1200329"/>
+          </a:xfrm>
+          <a:prstGeom prst="rect">
+            <a:avLst/>
+          </a:prstGeom>
+          <a:noFill/>
+        </p:spPr>
+        <p:txBody>
+          <a:bodyPr wrap="square" rtlCol="0">
+            <a:spAutoFit/>
+          </a:bodyPr>
+          <a:lstStyle/>
+          <a:p>
+            <a:pPr marL="857250" indent="-857250">
+              <a:buFont typeface="Arial" panose="020B0604020202020204" pitchFamily="34" charset="0"/>
+              <a:buChar char="•"/>
+            </a:pPr>
+            <a:r>
+              <a:rPr lang="et-EE" sz="7200" dirty="0" err="1"/>
+              <a:t>Data</a:t>
+            </a:r>
+            <a:endParaRPr lang="et-EE" sz="7200" dirty="0"/>
+          </a:p>
+        </p:txBody>
+      </p:sp>
+      <p:sp>
+        <p:nvSpPr>
+          <p:cNvPr id="14" name="TextBox 13">
+            <a:extLst>
+              <a:ext uri="{FF2B5EF4-FFF2-40B4-BE49-F238E27FC236}">
+                <a16:creationId xmlns:a16="http://schemas.microsoft.com/office/drawing/2014/main" id="{2FD12A76-FC7D-4965-B76E-A016F6773A54}"/>
+              </a:ext>
+            </a:extLst>
+          </p:cNvPr>
+          <p:cNvSpPr txBox="1"/>
+          <p:nvPr/>
+        </p:nvSpPr>
+        <p:spPr>
+          <a:xfrm>
+            <a:off x="1203157" y="20801716"/>
+            <a:ext cx="13982573" cy="1200329"/>
+          </a:xfrm>
+          <a:prstGeom prst="rect">
+            <a:avLst/>
+          </a:prstGeom>
+          <a:noFill/>
+        </p:spPr>
+        <p:txBody>
+          <a:bodyPr wrap="square" rtlCol="0">
+            <a:spAutoFit/>
+          </a:bodyPr>
+          <a:lstStyle/>
+          <a:p>
+            <a:pPr marL="857250" indent="-857250">
+              <a:buFont typeface="Arial" panose="020B0604020202020204" pitchFamily="34" charset="0"/>
+              <a:buChar char="•"/>
+            </a:pPr>
+            <a:r>
+              <a:rPr lang="et-EE" sz="7200" dirty="0" err="1"/>
+              <a:t>Processing</a:t>
+            </a:r>
+            <a:endParaRPr lang="en-US" sz="7200" dirty="0"/>
+          </a:p>
+        </p:txBody>
+      </p:sp>
+      <p:sp>
+        <p:nvSpPr>
+          <p:cNvPr id="15" name="TextBox 14">
+            <a:extLst>
+              <a:ext uri="{FF2B5EF4-FFF2-40B4-BE49-F238E27FC236}">
+                <a16:creationId xmlns:a16="http://schemas.microsoft.com/office/drawing/2014/main" id="{39B8BD6C-EBD3-4BF7-9B9B-883E260F3C54}"/>
+              </a:ext>
+            </a:extLst>
+          </p:cNvPr>
+          <p:cNvSpPr txBox="1"/>
+          <p:nvPr/>
+        </p:nvSpPr>
+        <p:spPr>
+          <a:xfrm>
+            <a:off x="15185731" y="6160168"/>
+            <a:ext cx="13934450" cy="1200329"/>
+          </a:xfrm>
+          <a:prstGeom prst="rect">
+            <a:avLst/>
+          </a:prstGeom>
+          <a:noFill/>
+        </p:spPr>
+        <p:txBody>
+          <a:bodyPr wrap="square" rtlCol="0">
+            <a:spAutoFit/>
+          </a:bodyPr>
+          <a:lstStyle/>
+          <a:p>
+            <a:pPr marL="857250" indent="-857250">
+              <a:buFont typeface="Arial" panose="020B0604020202020204" pitchFamily="34" charset="0"/>
+              <a:buChar char="•"/>
+            </a:pPr>
+            <a:r>
+              <a:rPr lang="et-EE" sz="7200" dirty="0"/>
+              <a:t>Building </a:t>
+            </a:r>
+            <a:r>
+              <a:rPr lang="et-EE" sz="7200" dirty="0" err="1"/>
+              <a:t>models</a:t>
+            </a:r>
+            <a:endParaRPr lang="en-US" sz="7200" dirty="0"/>
+          </a:p>
+        </p:txBody>
+      </p:sp>
+      <p:sp>
+        <p:nvSpPr>
+          <p:cNvPr id="16" name="TextBox 15">
+            <a:extLst>
+              <a:ext uri="{FF2B5EF4-FFF2-40B4-BE49-F238E27FC236}">
+                <a16:creationId xmlns:a16="http://schemas.microsoft.com/office/drawing/2014/main" id="{EA9EA575-D771-42FA-A9F8-6BD49281464F}"/>
+              </a:ext>
+            </a:extLst>
+          </p:cNvPr>
+          <p:cNvSpPr txBox="1"/>
+          <p:nvPr/>
+        </p:nvSpPr>
+        <p:spPr>
+          <a:xfrm>
+            <a:off x="15136812" y="9267459"/>
+            <a:ext cx="13934449" cy="923330"/>
+          </a:xfrm>
+          <a:prstGeom prst="rect">
+            <a:avLst/>
+          </a:prstGeom>
+          <a:noFill/>
+        </p:spPr>
+        <p:txBody>
+          <a:bodyPr wrap="square" rtlCol="0">
+            <a:spAutoFit/>
+          </a:bodyPr>
+          <a:lstStyle/>
+          <a:p>
+            <a:pPr marL="285750" indent="-285750">
+              <a:buFont typeface="Arial" panose="020B0604020202020204" pitchFamily="34" charset="0"/>
+              <a:buChar char="•"/>
+            </a:pPr>
+            <a:r>
+              <a:rPr lang="et-EE" sz="5400" dirty="0" err="1"/>
+              <a:t>Conclusions</a:t>
+            </a:r>
+            <a:endParaRPr lang="en-US" sz="5400" dirty="0"/>
+          </a:p>
+        </p:txBody>
+      </p:sp>
+      <p:pic>
+        <p:nvPicPr>
+          <p:cNvPr id="31" name="Picture 30" descr="A close up of a logo&#10;&#10;Description automatically generated">
+            <a:extLst>
+              <a:ext uri="{FF2B5EF4-FFF2-40B4-BE49-F238E27FC236}">
+                <a16:creationId xmlns:a16="http://schemas.microsoft.com/office/drawing/2014/main" id="{C5CC70D8-7795-42AD-8AD0-667F42A0F2C7}"/>
+              </a:ext>
+            </a:extLst>
+          </p:cNvPr>
+          <p:cNvPicPr>
+            <a:picLocks noChangeAspect="1"/>
+          </p:cNvPicPr>
+          <p:nvPr/>
+        </p:nvPicPr>
+        <p:blipFill>
+          <a:blip r:embed="rId3">
+            <a:extLst>
+              <a:ext uri="{28A0092B-C50C-407E-A947-70E740481C1C}">
+                <a14:useLocalDpi xmlns:a14="http://schemas.microsoft.com/office/drawing/2010/main" val="0"/>
+              </a:ext>
+            </a:extLst>
+          </a:blip>
+          <a:stretch>
+            <a:fillRect/>
+          </a:stretch>
+        </p:blipFill>
+        <p:spPr>
+          <a:xfrm>
+            <a:off x="15196842" y="11181662"/>
+            <a:ext cx="14630429" cy="9144018"/>
+          </a:xfrm>
+          <a:prstGeom prst="rect">
+            <a:avLst/>
+          </a:prstGeom>
+        </p:spPr>
+      </p:pic>
+      <p:pic>
+        <p:nvPicPr>
+          <p:cNvPr id="33" name="Picture 32" descr="A close up of a map&#10;&#10;Description automatically generated">
+            <a:extLst>
+              <a:ext uri="{FF2B5EF4-FFF2-40B4-BE49-F238E27FC236}">
+                <a16:creationId xmlns:a16="http://schemas.microsoft.com/office/drawing/2014/main" id="{E36E9A77-4CF4-45B4-B95D-7DC189AF8B3C}"/>
+              </a:ext>
+            </a:extLst>
+          </p:cNvPr>
+          <p:cNvPicPr>
+            <a:picLocks noChangeAspect="1"/>
+          </p:cNvPicPr>
+          <p:nvPr/>
+        </p:nvPicPr>
+        <p:blipFill>
+          <a:blip r:embed="rId4">
+            <a:extLst>
+              <a:ext uri="{28A0092B-C50C-407E-A947-70E740481C1C}">
+                <a14:useLocalDpi xmlns:a14="http://schemas.microsoft.com/office/drawing/2010/main" val="0"/>
+              </a:ext>
+            </a:extLst>
+          </a:blip>
+          <a:stretch>
+            <a:fillRect/>
+          </a:stretch>
+        </p:blipFill>
+        <p:spPr>
+          <a:xfrm>
+            <a:off x="14821191" y="23155972"/>
+            <a:ext cx="14630429" cy="9144018"/>
+          </a:xfrm>
+          <a:prstGeom prst="rect">
+            <a:avLst/>
+          </a:prstGeom>
+        </p:spPr>
+      </p:pic>
     </p:spTree>
     <p:extLst>
       <p:ext uri="{BB962C8B-B14F-4D97-AF65-F5344CB8AC3E}">
@@ -3421,4 +4262,594 @@
     </a:ext>
   </a:extLst>
 </a:theme>
+</file>
+
+<file path=ppt/theme/theme2.xml><?xml version="1.0" encoding="utf-8"?>
+<a:theme xmlns:a="http://schemas.openxmlformats.org/drawingml/2006/main" name="Office Theme">
+  <a:themeElements>
+    <a:clrScheme name="Office">
+      <a:dk1>
+        <a:sysClr val="windowText" lastClr="000000"/>
+      </a:dk1>
+      <a:lt1>
+        <a:sysClr val="window" lastClr="FFFFFF"/>
+      </a:lt1>
+      <a:dk2>
+        <a:srgbClr val="44546A"/>
+      </a:dk2>
+      <a:lt2>
+        <a:srgbClr val="E7E6E6"/>
+      </a:lt2>
+      <a:accent1>
+        <a:srgbClr val="4472C4"/>
+      </a:accent1>
+      <a:accent2>
+        <a:srgbClr val="ED7D31"/>
+      </a:accent2>
+      <a:accent3>
+        <a:srgbClr val="A5A5A5"/>
+      </a:accent3>
+      <a:accent4>
+        <a:srgbClr val="FFC000"/>
+      </a:accent4>
+      <a:accent5>
+        <a:srgbClr val="5B9BD5"/>
+      </a:accent5>
+      <a:accent6>
+        <a:srgbClr val="70AD47"/>
+      </a:accent6>
+      <a:hlink>
+        <a:srgbClr val="0563C1"/>
+      </a:hlink>
+      <a:folHlink>
+        <a:srgbClr val="954F72"/>
+      </a:folHlink>
+    </a:clrScheme>
+    <a:fontScheme name="Office">
+      <a:majorFont>
+        <a:latin typeface="Calibri Light" panose="020F0302020204030204"/>
+        <a:ea typeface=""/>
+        <a:cs typeface=""/>
+        <a:font script="Jpan" typeface="游ゴシック Light"/>
+        <a:font script="Hang" typeface="맑은 고딕"/>
+        <a:font script="Hans" typeface="等线 Light"/>
+        <a:font script="Hant" typeface="新細明體"/>
+        <a:font script="Arab" typeface="Times New Roman"/>
+        <a:font script="Hebr" typeface="Times New Roman"/>
+        <a:font script="Thai" typeface="Angsana New"/>
+        <a:font script="Ethi" typeface="Nyala"/>
+        <a:font script="Beng" typeface="Vrinda"/>
+        <a:font script="Gujr" typeface="Shruti"/>
+        <a:font script="Khmr" typeface="MoolBoran"/>
+        <a:font script="Knda" typeface="Tunga"/>
+        <a:font script="Guru" typeface="Raavi"/>
+        <a:font script="Cans" typeface="Euphemia"/>
+        <a:font script="Cher" typeface="Plantagenet Cherokee"/>
+        <a:font script="Yiii" typeface="Microsoft Yi Baiti"/>
+        <a:font script="Tibt" typeface="Microsoft Himalaya"/>
+        <a:font script="Thaa" typeface="MV Boli"/>
+        <a:font script="Deva" typeface="Mangal"/>
+        <a:font script="Telu" typeface="Gautami"/>
+        <a:font script="Taml" typeface="Latha"/>
+        <a:font script="Syrc" typeface="Estrangelo Edessa"/>
+        <a:font script="Orya" typeface="Kalinga"/>
+        <a:font script="Mlym" typeface="Kartika"/>
+        <a:font script="Laoo" typeface="DokChampa"/>
+        <a:font script="Sinh" typeface="Iskoola Pota"/>
+        <a:font script="Mong" typeface="Mongolian Baiti"/>
+        <a:font script="Viet" typeface="Times New Roman"/>
+        <a:font script="Uigh" typeface="Microsoft Uighur"/>
+        <a:font script="Geor" typeface="Sylfaen"/>
+        <a:font script="Armn" typeface="Arial"/>
+        <a:font script="Bugi" typeface="Leelawadee UI"/>
+        <a:font script="Bopo" typeface="Microsoft JhengHei"/>
+        <a:font script="Java" typeface="Javanese Text"/>
+        <a:font script="Lisu" typeface="Segoe UI"/>
+        <a:font script="Mymr" typeface="Myanmar Text"/>
+        <a:font script="Nkoo" typeface="Ebrima"/>
+        <a:font script="Olck" typeface="Nirmala UI"/>
+        <a:font script="Osma" typeface="Ebrima"/>
+        <a:font script="Phag" typeface="Phagspa"/>
+        <a:font script="Syrn" typeface="Estrangelo Edessa"/>
+        <a:font script="Syrj" typeface="Estrangelo Edessa"/>
+        <a:font script="Syre" typeface="Estrangelo Edessa"/>
+        <a:font script="Sora" typeface="Nirmala UI"/>
+        <a:font script="Tale" typeface="Microsoft Tai Le"/>
+        <a:font script="Talu" typeface="Microsoft New Tai Lue"/>
+        <a:font script="Tfng" typeface="Ebrima"/>
+      </a:majorFont>
+      <a:minorFont>
+        <a:latin typeface="Calibri" panose="020F0502020204030204"/>
+        <a:ea typeface=""/>
+        <a:cs typeface=""/>
+        <a:font script="Jpan" typeface="游ゴシック"/>
+        <a:font script="Hang" typeface="맑은 고딕"/>
+        <a:font script="Hans" typeface="等线"/>
+        <a:font script="Hant" typeface="新細明體"/>
+        <a:font script="Arab" typeface="Arial"/>
+        <a:font script="Hebr" typeface="Arial"/>
+        <a:font script="Thai" typeface="Cordia New"/>
+        <a:font script="Ethi" typeface="Nyala"/>
+        <a:font script="Beng" typeface="Vrinda"/>
+        <a:font script="Gujr" typeface="Shruti"/>
+        <a:font script="Khmr" typeface="DaunPenh"/>
+        <a:font script="Knda" typeface="Tunga"/>
+        <a:font script="Guru" typeface="Raavi"/>
+        <a:font script="Cans" typeface="Euphemia"/>
+        <a:font script="Cher" typeface="Plantagenet Cherokee"/>
+        <a:font script="Yiii" typeface="Microsoft Yi Baiti"/>
+        <a:font script="Tibt" typeface="Microsoft Himalaya"/>
+        <a:font script="Thaa" typeface="MV Boli"/>
+        <a:font script="Deva" typeface="Mangal"/>
+        <a:font script="Telu" typeface="Gautami"/>
+        <a:font script="Taml" typeface="Latha"/>
+        <a:font script="Syrc" typeface="Estrangelo Edessa"/>
+        <a:font script="Orya" typeface="Kalinga"/>
+        <a:font script="Mlym" typeface="Kartika"/>
+        <a:font script="Laoo" typeface="DokChampa"/>
+        <a:font script="Sinh" typeface="Iskoola Pota"/>
+        <a:font script="Mong" typeface="Mongolian Baiti"/>
+        <a:font script="Viet" typeface="Arial"/>
+        <a:font script="Uigh" typeface="Microsoft Uighur"/>
+        <a:font script="Geor" typeface="Sylfaen"/>
+        <a:font script="Armn" typeface="Arial"/>
+        <a:font script="Bugi" typeface="Leelawadee UI"/>
+        <a:font script="Bopo" typeface="Microsoft JhengHei"/>
+        <a:font script="Java" typeface="Javanese Text"/>
+        <a:font script="Lisu" typeface="Segoe UI"/>
+        <a:font script="Mymr" typeface="Myanmar Text"/>
+        <a:font script="Nkoo" typeface="Ebrima"/>
+        <a:font script="Olck" typeface="Nirmala UI"/>
+        <a:font script="Osma" typeface="Ebrima"/>
+        <a:font script="Phag" typeface="Phagspa"/>
+        <a:font script="Syrn" typeface="Estrangelo Edessa"/>
+        <a:font script="Syrj" typeface="Estrangelo Edessa"/>
+        <a:font script="Syre" typeface="Estrangelo Edessa"/>
+        <a:font script="Sora" typeface="Nirmala UI"/>
+        <a:font script="Tale" typeface="Microsoft Tai Le"/>
+        <a:font script="Talu" typeface="Microsoft New Tai Lue"/>
+        <a:font script="Tfng" typeface="Ebrima"/>
+      </a:minorFont>
+    </a:fontScheme>
+    <a:fmtScheme name="Office">
+      <a:fillStyleLst>
+        <a:solidFill>
+          <a:schemeClr val="phClr"/>
+        </a:solidFill>
+        <a:gradFill rotWithShape="1">
+          <a:gsLst>
+            <a:gs pos="0">
+              <a:schemeClr val="phClr">
+                <a:lumMod val="110000"/>
+                <a:satMod val="105000"/>
+                <a:tint val="67000"/>
+              </a:schemeClr>
+            </a:gs>
+            <a:gs pos="50000">
+              <a:schemeClr val="phClr">
+                <a:lumMod val="105000"/>
+                <a:satMod val="103000"/>
+                <a:tint val="73000"/>
+              </a:schemeClr>
+            </a:gs>
+            <a:gs pos="100000">
+              <a:schemeClr val="phClr">
+                <a:lumMod val="105000"/>
+                <a:satMod val="109000"/>
+                <a:tint val="81000"/>
+              </a:schemeClr>
+            </a:gs>
+          </a:gsLst>
+          <a:lin ang="5400000" scaled="0"/>
+        </a:gradFill>
+        <a:gradFill rotWithShape="1">
+          <a:gsLst>
+            <a:gs pos="0">
+              <a:schemeClr val="phClr">
+                <a:satMod val="103000"/>
+                <a:lumMod val="102000"/>
+                <a:tint val="94000"/>
+              </a:schemeClr>
+            </a:gs>
+            <a:gs pos="50000">
+              <a:schemeClr val="phClr">
+                <a:satMod val="110000"/>
+                <a:lumMod val="100000"/>
+                <a:shade val="100000"/>
+              </a:schemeClr>
+            </a:gs>
+            <a:gs pos="100000">
+              <a:schemeClr val="phClr">
+                <a:lumMod val="99000"/>
+                <a:satMod val="120000"/>
+                <a:shade val="78000"/>
+              </a:schemeClr>
+            </a:gs>
+          </a:gsLst>
+          <a:lin ang="5400000" scaled="0"/>
+        </a:gradFill>
+      </a:fillStyleLst>
+      <a:lnStyleLst>
+        <a:ln w="6350" cap="flat" cmpd="sng" algn="ctr">
+          <a:solidFill>
+            <a:schemeClr val="phClr"/>
+          </a:solidFill>
+          <a:prstDash val="solid"/>
+          <a:miter lim="800000"/>
+        </a:ln>
+        <a:ln w="12700" cap="flat" cmpd="sng" algn="ctr">
+          <a:solidFill>
+            <a:schemeClr val="phClr"/>
+          </a:solidFill>
+          <a:prstDash val="solid"/>
+          <a:miter lim="800000"/>
+        </a:ln>
+        <a:ln w="19050" cap="flat" cmpd="sng" algn="ctr">
+          <a:solidFill>
+            <a:schemeClr val="phClr"/>
+          </a:solidFill>
+          <a:prstDash val="solid"/>
+          <a:miter lim="800000"/>
+        </a:ln>
+      </a:lnStyleLst>
+      <a:effectStyleLst>
+        <a:effectStyle>
+          <a:effectLst/>
+        </a:effectStyle>
+        <a:effectStyle>
+          <a:effectLst/>
+        </a:effectStyle>
+        <a:effectStyle>
+          <a:effectLst>
+            <a:outerShdw blurRad="57150" dist="19050" dir="5400000" algn="ctr" rotWithShape="0">
+              <a:srgbClr val="000000">
+                <a:alpha val="63000"/>
+              </a:srgbClr>
+            </a:outerShdw>
+          </a:effectLst>
+        </a:effectStyle>
+      </a:effectStyleLst>
+      <a:bgFillStyleLst>
+        <a:solidFill>
+          <a:schemeClr val="phClr"/>
+        </a:solidFill>
+        <a:solidFill>
+          <a:schemeClr val="phClr">
+            <a:tint val="95000"/>
+            <a:satMod val="170000"/>
+          </a:schemeClr>
+        </a:solidFill>
+        <a:gradFill rotWithShape="1">
+          <a:gsLst>
+            <a:gs pos="0">
+              <a:schemeClr val="phClr">
+                <a:tint val="93000"/>
+                <a:satMod val="150000"/>
+                <a:shade val="98000"/>
+                <a:lumMod val="102000"/>
+              </a:schemeClr>
+            </a:gs>
+            <a:gs pos="50000">
+              <a:schemeClr val="phClr">
+                <a:tint val="98000"/>
+                <a:satMod val="130000"/>
+                <a:shade val="90000"/>
+                <a:lumMod val="103000"/>
+              </a:schemeClr>
+            </a:gs>
+            <a:gs pos="100000">
+              <a:schemeClr val="phClr">
+                <a:shade val="63000"/>
+                <a:satMod val="120000"/>
+              </a:schemeClr>
+            </a:gs>
+          </a:gsLst>
+          <a:lin ang="5400000" scaled="0"/>
+        </a:gradFill>
+      </a:bgFillStyleLst>
+    </a:fmtScheme>
+  </a:themeElements>
+  <a:objectDefaults/>
+  <a:extraClrSchemeLst/>
+  <a:extLst>
+    <a:ext uri="{05A4C25C-085E-4340-85A3-A5531E510DB2}">
+      <thm15:themeFamily xmlns:thm15="http://schemas.microsoft.com/office/thememl/2012/main" name="Office Theme" id="{62F939B6-93AF-4DB8-9C6B-D6C7DFDC589F}" vid="{4A3C46E8-61CC-4603-A589-7422A47A8E4A}"/>
+    </a:ext>
+  </a:extLst>
+</a:theme>
+</file>
+
+<file path=ppt/theme/theme3.xml><?xml version="1.0" encoding="utf-8"?>
+<a:theme xmlns:a="http://schemas.openxmlformats.org/drawingml/2006/main" name="Office Theme">
+  <a:themeElements>
+    <a:clrScheme name="Office">
+      <a:dk1>
+        <a:sysClr val="windowText" lastClr="000000"/>
+      </a:dk1>
+      <a:lt1>
+        <a:sysClr val="window" lastClr="FFFFFF"/>
+      </a:lt1>
+      <a:dk2>
+        <a:srgbClr val="44546A"/>
+      </a:dk2>
+      <a:lt2>
+        <a:srgbClr val="E7E6E6"/>
+      </a:lt2>
+      <a:accent1>
+        <a:srgbClr val="4472C4"/>
+      </a:accent1>
+      <a:accent2>
+        <a:srgbClr val="ED7D31"/>
+      </a:accent2>
+      <a:accent3>
+        <a:srgbClr val="A5A5A5"/>
+      </a:accent3>
+      <a:accent4>
+        <a:srgbClr val="FFC000"/>
+      </a:accent4>
+      <a:accent5>
+        <a:srgbClr val="5B9BD5"/>
+      </a:accent5>
+      <a:accent6>
+        <a:srgbClr val="70AD47"/>
+      </a:accent6>
+      <a:hlink>
+        <a:srgbClr val="0563C1"/>
+      </a:hlink>
+      <a:folHlink>
+        <a:srgbClr val="954F72"/>
+      </a:folHlink>
+    </a:clrScheme>
+    <a:fontScheme name="Office">
+      <a:majorFont>
+        <a:latin typeface="Calibri Light" panose="020F0302020204030204"/>
+        <a:ea typeface=""/>
+        <a:cs typeface=""/>
+        <a:font script="Jpan" typeface="游ゴシック Light"/>
+        <a:font script="Hang" typeface="맑은 고딕"/>
+        <a:font script="Hans" typeface="等线 Light"/>
+        <a:font script="Hant" typeface="新細明體"/>
+        <a:font script="Arab" typeface="Times New Roman"/>
+        <a:font script="Hebr" typeface="Times New Roman"/>
+        <a:font script="Thai" typeface="Angsana New"/>
+        <a:font script="Ethi" typeface="Nyala"/>
+        <a:font script="Beng" typeface="Vrinda"/>
+        <a:font script="Gujr" typeface="Shruti"/>
+        <a:font script="Khmr" typeface="MoolBoran"/>
+        <a:font script="Knda" typeface="Tunga"/>
+        <a:font script="Guru" typeface="Raavi"/>
+        <a:font script="Cans" typeface="Euphemia"/>
+        <a:font script="Cher" typeface="Plantagenet Cherokee"/>
+        <a:font script="Yiii" typeface="Microsoft Yi Baiti"/>
+        <a:font script="Tibt" typeface="Microsoft Himalaya"/>
+        <a:font script="Thaa" typeface="MV Boli"/>
+        <a:font script="Deva" typeface="Mangal"/>
+        <a:font script="Telu" typeface="Gautami"/>
+        <a:font script="Taml" typeface="Latha"/>
+        <a:font script="Syrc" typeface="Estrangelo Edessa"/>
+        <a:font script="Orya" typeface="Kalinga"/>
+        <a:font script="Mlym" typeface="Kartika"/>
+        <a:font script="Laoo" typeface="DokChampa"/>
+        <a:font script="Sinh" typeface="Iskoola Pota"/>
+        <a:font script="Mong" typeface="Mongolian Baiti"/>
+        <a:font script="Viet" typeface="Times New Roman"/>
+        <a:font script="Uigh" typeface="Microsoft Uighur"/>
+        <a:font script="Geor" typeface="Sylfaen"/>
+        <a:font script="Armn" typeface="Arial"/>
+        <a:font script="Bugi" typeface="Leelawadee UI"/>
+        <a:font script="Bopo" typeface="Microsoft JhengHei"/>
+        <a:font script="Java" typeface="Javanese Text"/>
+        <a:font script="Lisu" typeface="Segoe UI"/>
+        <a:font script="Mymr" typeface="Myanmar Text"/>
+        <a:font script="Nkoo" typeface="Ebrima"/>
+        <a:font script="Olck" typeface="Nirmala UI"/>
+        <a:font script="Osma" typeface="Ebrima"/>
+        <a:font script="Phag" typeface="Phagspa"/>
+        <a:font script="Syrn" typeface="Estrangelo Edessa"/>
+        <a:font script="Syrj" typeface="Estrangelo Edessa"/>
+        <a:font script="Syre" typeface="Estrangelo Edessa"/>
+        <a:font script="Sora" typeface="Nirmala UI"/>
+        <a:font script="Tale" typeface="Microsoft Tai Le"/>
+        <a:font script="Talu" typeface="Microsoft New Tai Lue"/>
+        <a:font script="Tfng" typeface="Ebrima"/>
+      </a:majorFont>
+      <a:minorFont>
+        <a:latin typeface="Calibri" panose="020F0502020204030204"/>
+        <a:ea typeface=""/>
+        <a:cs typeface=""/>
+        <a:font script="Jpan" typeface="游ゴシック"/>
+        <a:font script="Hang" typeface="맑은 고딕"/>
+        <a:font script="Hans" typeface="等线"/>
+        <a:font script="Hant" typeface="新細明體"/>
+        <a:font script="Arab" typeface="Arial"/>
+        <a:font script="Hebr" typeface="Arial"/>
+        <a:font script="Thai" typeface="Cordia New"/>
+        <a:font script="Ethi" typeface="Nyala"/>
+        <a:font script="Beng" typeface="Vrinda"/>
+        <a:font script="Gujr" typeface="Shruti"/>
+        <a:font script="Khmr" typeface="DaunPenh"/>
+        <a:font script="Knda" typeface="Tunga"/>
+        <a:font script="Guru" typeface="Raavi"/>
+        <a:font script="Cans" typeface="Euphemia"/>
+        <a:font script="Cher" typeface="Plantagenet Cherokee"/>
+        <a:font script="Yiii" typeface="Microsoft Yi Baiti"/>
+        <a:font script="Tibt" typeface="Microsoft Himalaya"/>
+        <a:font script="Thaa" typeface="MV Boli"/>
+        <a:font script="Deva" typeface="Mangal"/>
+        <a:font script="Telu" typeface="Gautami"/>
+        <a:font script="Taml" typeface="Latha"/>
+        <a:font script="Syrc" typeface="Estrangelo Edessa"/>
+        <a:font script="Orya" typeface="Kalinga"/>
+        <a:font script="Mlym" typeface="Kartika"/>
+        <a:font script="Laoo" typeface="DokChampa"/>
+        <a:font script="Sinh" typeface="Iskoola Pota"/>
+        <a:font script="Mong" typeface="Mongolian Baiti"/>
+        <a:font script="Viet" typeface="Arial"/>
+        <a:font script="Uigh" typeface="Microsoft Uighur"/>
+        <a:font script="Geor" typeface="Sylfaen"/>
+        <a:font script="Armn" typeface="Arial"/>
+        <a:font script="Bugi" typeface="Leelawadee UI"/>
+        <a:font script="Bopo" typeface="Microsoft JhengHei"/>
+        <a:font script="Java" typeface="Javanese Text"/>
+        <a:font script="Lisu" typeface="Segoe UI"/>
+        <a:font script="Mymr" typeface="Myanmar Text"/>
+        <a:font script="Nkoo" typeface="Ebrima"/>
+        <a:font script="Olck" typeface="Nirmala UI"/>
+        <a:font script="Osma" typeface="Ebrima"/>
+        <a:font script="Phag" typeface="Phagspa"/>
+        <a:font script="Syrn" typeface="Estrangelo Edessa"/>
+        <a:font script="Syrj" typeface="Estrangelo Edessa"/>
+        <a:font script="Syre" typeface="Estrangelo Edessa"/>
+        <a:font script="Sora" typeface="Nirmala UI"/>
+        <a:font script="Tale" typeface="Microsoft Tai Le"/>
+        <a:font script="Talu" typeface="Microsoft New Tai Lue"/>
+        <a:font script="Tfng" typeface="Ebrima"/>
+      </a:minorFont>
+    </a:fontScheme>
+    <a:fmtScheme name="Office">
+      <a:fillStyleLst>
+        <a:solidFill>
+          <a:schemeClr val="phClr"/>
+        </a:solidFill>
+        <a:gradFill rotWithShape="1">
+          <a:gsLst>
+            <a:gs pos="0">
+              <a:schemeClr val="phClr">
+                <a:lumMod val="110000"/>
+                <a:satMod val="105000"/>
+                <a:tint val="67000"/>
+              </a:schemeClr>
+            </a:gs>
+            <a:gs pos="50000">
+              <a:schemeClr val="phClr">
+                <a:lumMod val="105000"/>
+                <a:satMod val="103000"/>
+                <a:tint val="73000"/>
+              </a:schemeClr>
+            </a:gs>
+            <a:gs pos="100000">
+              <a:schemeClr val="phClr">
+                <a:lumMod val="105000"/>
+                <a:satMod val="109000"/>
+                <a:tint val="81000"/>
+              </a:schemeClr>
+            </a:gs>
+          </a:gsLst>
+          <a:lin ang="5400000" scaled="0"/>
+        </a:gradFill>
+        <a:gradFill rotWithShape="1">
+          <a:gsLst>
+            <a:gs pos="0">
+              <a:schemeClr val="phClr">
+                <a:satMod val="103000"/>
+                <a:lumMod val="102000"/>
+                <a:tint val="94000"/>
+              </a:schemeClr>
+            </a:gs>
+            <a:gs pos="50000">
+              <a:schemeClr val="phClr">
+                <a:satMod val="110000"/>
+                <a:lumMod val="100000"/>
+                <a:shade val="100000"/>
+              </a:schemeClr>
+            </a:gs>
+            <a:gs pos="100000">
+              <a:schemeClr val="phClr">
+                <a:lumMod val="99000"/>
+                <a:satMod val="120000"/>
+                <a:shade val="78000"/>
+              </a:schemeClr>
+            </a:gs>
+          </a:gsLst>
+          <a:lin ang="5400000" scaled="0"/>
+        </a:gradFill>
+      </a:fillStyleLst>
+      <a:lnStyleLst>
+        <a:ln w="6350" cap="flat" cmpd="sng" algn="ctr">
+          <a:solidFill>
+            <a:schemeClr val="phClr"/>
+          </a:solidFill>
+          <a:prstDash val="solid"/>
+          <a:miter lim="800000"/>
+        </a:ln>
+        <a:ln w="12700" cap="flat" cmpd="sng" algn="ctr">
+          <a:solidFill>
+            <a:schemeClr val="phClr"/>
+          </a:solidFill>
+          <a:prstDash val="solid"/>
+          <a:miter lim="800000"/>
+        </a:ln>
+        <a:ln w="19050" cap="flat" cmpd="sng" algn="ctr">
+          <a:solidFill>
+            <a:schemeClr val="phClr"/>
+          </a:solidFill>
+          <a:prstDash val="solid"/>
+          <a:miter lim="800000"/>
+        </a:ln>
+      </a:lnStyleLst>
+      <a:effectStyleLst>
+        <a:effectStyle>
+          <a:effectLst/>
+        </a:effectStyle>
+        <a:effectStyle>
+          <a:effectLst/>
+        </a:effectStyle>
+        <a:effectStyle>
+          <a:effectLst>
+            <a:outerShdw blurRad="57150" dist="19050" dir="5400000" algn="ctr" rotWithShape="0">
+              <a:srgbClr val="000000">
+                <a:alpha val="63000"/>
+              </a:srgbClr>
+            </a:outerShdw>
+          </a:effectLst>
+        </a:effectStyle>
+      </a:effectStyleLst>
+      <a:bgFillStyleLst>
+        <a:solidFill>
+          <a:schemeClr val="phClr"/>
+        </a:solidFill>
+        <a:solidFill>
+          <a:schemeClr val="phClr">
+            <a:tint val="95000"/>
+            <a:satMod val="170000"/>
+          </a:schemeClr>
+        </a:solidFill>
+        <a:gradFill rotWithShape="1">
+          <a:gsLst>
+            <a:gs pos="0">
+              <a:schemeClr val="phClr">
+                <a:tint val="93000"/>
+                <a:satMod val="150000"/>
+                <a:shade val="98000"/>
+                <a:lumMod val="102000"/>
+              </a:schemeClr>
+            </a:gs>
+            <a:gs pos="50000">
+              <a:schemeClr val="phClr">
+                <a:tint val="98000"/>
+                <a:satMod val="130000"/>
+                <a:shade val="90000"/>
+                <a:lumMod val="103000"/>
+              </a:schemeClr>
+            </a:gs>
+            <a:gs pos="100000">
+              <a:schemeClr val="phClr">
+                <a:shade val="63000"/>
+                <a:satMod val="120000"/>
+              </a:schemeClr>
+            </a:gs>
+          </a:gsLst>
+          <a:lin ang="5400000" scaled="0"/>
+        </a:gradFill>
+      </a:bgFillStyleLst>
+    </a:fmtScheme>
+  </a:themeElements>
+  <a:objectDefaults/>
+  <a:extraClrSchemeLst/>
+  <a:extLst>
+    <a:ext uri="{05A4C25C-085E-4340-85A3-A5531E510DB2}">
+      <thm15:themeFamily xmlns:thm15="http://schemas.microsoft.com/office/thememl/2012/main" name="Office Theme" id="{62F939B6-93AF-4DB8-9C6B-D6C7DFDC589F}" vid="{4A3C46E8-61CC-4603-A589-7422A47A8E4A}"/>
+    </a:ext>
+  </a:extLst>
+</a:theme>
 </file>
--- a/M9_poster.pptx
+++ b/M9_poster.pptx
@@ -114,6 +114,11 @@
     <p:ext uri="{EFAFB233-063F-42B5-8137-9DF3F51BA10A}">
       <p15:sldGuideLst xmlns:p15="http://schemas.microsoft.com/office/powerpoint/2012/main">
         <p15:guide id="1" pos="9535" userDrawn="1">
+          <p15:clr>
+            <a:srgbClr val="A4A3A4"/>
+          </p15:clr>
+        </p15:guide>
+        <p15:guide id="2" orient="horz" pos="13481">
           <p15:clr>
             <a:srgbClr val="A4A3A4"/>
           </p15:clr>
@@ -3594,7 +3599,7 @@
         <p:spPr>
           <a:xfrm>
             <a:off x="1155032" y="6160168"/>
-            <a:ext cx="13982573" cy="4250649"/>
+            <a:ext cx="13982573" cy="5021494"/>
           </a:xfrm>
         </p:spPr>
         <p:txBody>
@@ -3604,9 +3609,16 @@
           <a:lstStyle/>
           <a:p>
             <a:r>
-              <a:rPr lang="en-US" sz="28800" dirty="0"/>
+              <a:rPr lang="en-US" sz="28800" b="1" dirty="0">
+                <a:latin typeface="+mj-lt"/>
+                <a:cs typeface="Calibri" panose="020F0502020204030204" pitchFamily="34" charset="0"/>
+              </a:rPr>
               <a:t>Introduction</a:t>
             </a:r>
+            <a:endParaRPr lang="et-EE" sz="28800" b="1" dirty="0">
+              <a:latin typeface="+mj-lt"/>
+              <a:cs typeface="Calibri" panose="020F0502020204030204" pitchFamily="34" charset="0"/>
+            </a:endParaRPr>
           </a:p>
           <a:p>
             <a:pPr marL="0" indent="0">
@@ -3614,12 +3626,8 @@
             </a:pPr>
             <a:r>
               <a:rPr lang="en-US" sz="16000" dirty="0"/>
-              <a:t>An exoplanet is defined as a planet which orbits a star outside our own solar system. Exoplanets are a field of research for astronomers and astrophysicists to gather more data on different planetary systems and make better theories on system formation and evolution. Also of great interest is the possibility of extraterrestrial life existing. Studying exoplanets could help answer the age-old question: are we alone in the universe?</a:t>
-            </a:r>
-            <a:endParaRPr lang="et-EE" sz="16000" dirty="0"/>
-          </a:p>
-          <a:p>
-            <a:endParaRPr lang="en-US" sz="4400" dirty="0"/>
+              <a:t>An exoplanet is defined as a planet which orbits a star outside our own solar system. Exoplanets are a field of research for astronomers and astrophysicists to gather more data on different planetary systems and make better theories on system formation and evolution. The transit method (aka. Transit photometry) is the most widely used method of exoplanet detection. The light curve of a distant star is measured for periodic dips in brightness. Usually, these are caused by exoplanets transiting in front of the star.</a:t>
+            </a:r>
           </a:p>
           <a:p>
             <a:pPr marL="0" indent="0">
@@ -3696,7 +3704,7 @@
           <a:p>
             <a:pPr algn="ctr"/>
             <a:r>
-              <a:rPr lang="et-EE" sz="6000" dirty="0" err="1">
+              <a:rPr lang="en-GB" sz="6000" dirty="0">
                 <a:solidFill>
                   <a:schemeClr val="bg1"/>
                 </a:solidFill>
@@ -3737,8 +3745,8 @@
         </p:nvSpPr>
         <p:spPr>
           <a:xfrm>
-            <a:off x="0" y="40907368"/>
-            <a:ext cx="30275213" cy="1896394"/>
+            <a:off x="0" y="40267038"/>
+            <a:ext cx="30275213" cy="2536724"/>
           </a:xfrm>
           <a:solidFill>
             <a:schemeClr val="accent1">
@@ -3750,7 +3758,45 @@
           <a:bodyPr/>
           <a:lstStyle/>
           <a:p>
-            <a:endParaRPr lang="en-US" dirty="0"/>
+            <a:pPr algn="l"/>
+            <a:r>
+              <a:rPr lang="et-EE" sz="4400" b="1" dirty="0">
+                <a:solidFill>
+                  <a:schemeClr val="bg1"/>
+                </a:solidFill>
+              </a:rPr>
+              <a:t>                               </a:t>
+            </a:r>
+            <a:r>
+              <a:rPr lang="et-EE" sz="4400" b="1" dirty="0">
+                <a:solidFill>
+                  <a:schemeClr val="bg1"/>
+                </a:solidFill>
+                <a:sym typeface="Wingdings" panose="05000000000000000000" pitchFamily="2" charset="2"/>
+              </a:rPr>
+              <a:t>  </a:t>
+            </a:r>
+            <a:r>
+              <a:rPr lang="en-GB" sz="4400" b="1" dirty="0">
+                <a:solidFill>
+                  <a:schemeClr val="bg1"/>
+                </a:solidFill>
+              </a:rPr>
+              <a:t>GitHub</a:t>
+            </a:r>
+            <a:r>
+              <a:rPr lang="et-EE" sz="4400" b="1" dirty="0">
+                <a:solidFill>
+                  <a:schemeClr val="bg1"/>
+                </a:solidFill>
+              </a:rPr>
+              <a:t> link</a:t>
+            </a:r>
+            <a:endParaRPr lang="en-US" sz="4400" b="1" dirty="0">
+              <a:solidFill>
+                <a:schemeClr val="bg1"/>
+              </a:solidFill>
+            </a:endParaRPr>
           </a:p>
         </p:txBody>
       </p:sp>
@@ -3768,8 +3814,8 @@
         </p:nvSpPr>
         <p:spPr>
           <a:xfrm>
-            <a:off x="1203158" y="12320336"/>
-            <a:ext cx="13982573" cy="1200329"/>
+            <a:off x="1214269" y="12335589"/>
+            <a:ext cx="13982573" cy="5196807"/>
           </a:xfrm>
           <a:prstGeom prst="rect">
             <a:avLst/>
@@ -3783,14 +3829,43 @@
           <a:lstStyle/>
           <a:p>
             <a:pPr marL="857250" indent="-857250">
+              <a:lnSpc>
+                <a:spcPct val="70000"/>
+              </a:lnSpc>
+              <a:spcBef>
+                <a:spcPts val="3310"/>
+              </a:spcBef>
               <a:buFont typeface="Arial" panose="020B0604020202020204" pitchFamily="34" charset="0"/>
               <a:buChar char="•"/>
             </a:pPr>
             <a:r>
-              <a:rPr lang="et-EE" sz="7200" dirty="0" err="1"/>
+              <a:rPr lang="en-GB" sz="7200" b="1" dirty="0">
+                <a:latin typeface="+mj-lt"/>
+              </a:rPr>
               <a:t>Data</a:t>
             </a:r>
-            <a:endParaRPr lang="et-EE" sz="7200" dirty="0"/>
+          </a:p>
+          <a:p>
+            <a:pPr>
+              <a:lnSpc>
+                <a:spcPct val="70000"/>
+              </a:lnSpc>
+              <a:spcBef>
+                <a:spcPts val="3310"/>
+              </a:spcBef>
+            </a:pPr>
+            <a:r>
+              <a:rPr lang="en-US" sz="4000" dirty="0"/>
+              <a:t>The light curve data comes from the Kepler space telescope, publicly available on NASA exoplanet archive. For this project, Kaggle dataset was used, which uses Kepler Campaign 3 data. Kaggle dataset has been made much more usable than raw data from NASA, as it has been made into a .csv file, while as NASA provides raw .fits files. The datasets include indicator of exoplanet </a:t>
+            </a:r>
+            <a:r>
+              <a:rPr lang="en-US" sz="4000" dirty="0" err="1"/>
+              <a:t>excistance</a:t>
+            </a:r>
+            <a:r>
+              <a:rPr lang="en-US" sz="4000" dirty="0"/>
+              <a:t> and 3197 flux measurements. The training set contains 5087 observations with 37 confirmed planets and the test set contains 570 observations with 5 confirmed planets.</a:t>
+            </a:r>
           </a:p>
         </p:txBody>
       </p:sp>
@@ -3808,8 +3883,8 @@
         </p:nvSpPr>
         <p:spPr>
           <a:xfrm>
-            <a:off x="1203157" y="20801716"/>
-            <a:ext cx="13982573" cy="1200329"/>
+            <a:off x="1154238" y="29271092"/>
+            <a:ext cx="13982573" cy="4742837"/>
           </a:xfrm>
           <a:prstGeom prst="rect">
             <a:avLst/>
@@ -3823,14 +3898,188 @@
           <a:lstStyle/>
           <a:p>
             <a:pPr marL="857250" indent="-857250">
+              <a:lnSpc>
+                <a:spcPct val="70000"/>
+              </a:lnSpc>
+              <a:spcBef>
+                <a:spcPts val="3310"/>
+              </a:spcBef>
               <a:buFont typeface="Arial" panose="020B0604020202020204" pitchFamily="34" charset="0"/>
               <a:buChar char="•"/>
             </a:pPr>
             <a:r>
-              <a:rPr lang="et-EE" sz="7200" dirty="0" err="1"/>
-              <a:t>Processing</a:t>
-            </a:r>
-            <a:endParaRPr lang="en-US" sz="7200" dirty="0"/>
+              <a:rPr lang="en-US" sz="7200" b="1" dirty="0">
+                <a:latin typeface="+mj-lt"/>
+              </a:rPr>
+              <a:t>Preprocessing</a:t>
+            </a:r>
+          </a:p>
+          <a:p>
+            <a:pPr marL="1143000" indent="-1143000">
+              <a:lnSpc>
+                <a:spcPct val="70000"/>
+              </a:lnSpc>
+              <a:spcBef>
+                <a:spcPts val="3310"/>
+              </a:spcBef>
+              <a:buFont typeface="+mj-lt"/>
+              <a:buAutoNum type="arabicPeriod"/>
+            </a:pPr>
+            <a:r>
+              <a:rPr lang="en-US" sz="4000" b="1" dirty="0"/>
+              <a:t> Fourier transform </a:t>
+            </a:r>
+            <a:r>
+              <a:rPr lang="et-EE" sz="4000" b="1" dirty="0"/>
+              <a:t>- </a:t>
+            </a:r>
+            <a:r>
+              <a:rPr lang="et-EE" sz="4000" dirty="0" err="1"/>
+              <a:t>Expresses</a:t>
+            </a:r>
+            <a:r>
+              <a:rPr lang="et-EE" sz="4000" dirty="0"/>
+              <a:t> the </a:t>
+            </a:r>
+            <a:r>
+              <a:rPr lang="et-EE" sz="4000" dirty="0" err="1"/>
+              <a:t>time</a:t>
+            </a:r>
+            <a:r>
+              <a:rPr lang="et-EE" sz="4000" dirty="0"/>
+              <a:t> </a:t>
+            </a:r>
+            <a:r>
+              <a:rPr lang="et-EE" sz="4000" dirty="0" err="1"/>
+              <a:t>series</a:t>
+            </a:r>
+            <a:r>
+              <a:rPr lang="et-EE" sz="4000" dirty="0"/>
+              <a:t> as a </a:t>
+            </a:r>
+            <a:r>
+              <a:rPr lang="et-EE" sz="4000" dirty="0" err="1"/>
+              <a:t>sum</a:t>
+            </a:r>
+            <a:r>
+              <a:rPr lang="et-EE" sz="4000" dirty="0"/>
+              <a:t> of </a:t>
+            </a:r>
+            <a:r>
+              <a:rPr lang="et-EE" sz="4000" dirty="0" err="1"/>
+              <a:t>its</a:t>
+            </a:r>
+            <a:r>
+              <a:rPr lang="et-EE" sz="4000" dirty="0"/>
+              <a:t> periodic </a:t>
+            </a:r>
+            <a:r>
+              <a:rPr lang="et-EE" sz="4000" dirty="0" err="1"/>
+              <a:t>components</a:t>
+            </a:r>
+            <a:r>
+              <a:rPr lang="et-EE" sz="4000" dirty="0"/>
+              <a:t>. </a:t>
+            </a:r>
+            <a:endParaRPr lang="en-US" sz="4000" b="1" dirty="0"/>
+          </a:p>
+          <a:p>
+            <a:pPr marL="1143000" indent="-1143000">
+              <a:lnSpc>
+                <a:spcPct val="70000"/>
+              </a:lnSpc>
+              <a:spcBef>
+                <a:spcPts val="3310"/>
+              </a:spcBef>
+              <a:buFont typeface="+mj-lt"/>
+              <a:buAutoNum type="arabicPeriod"/>
+            </a:pPr>
+            <a:r>
+              <a:rPr lang="en-US" sz="4000" b="1" dirty="0"/>
+              <a:t> Normalization - </a:t>
+            </a:r>
+            <a:r>
+              <a:rPr lang="en-US" sz="4000" dirty="0"/>
+              <a:t> </a:t>
+            </a:r>
+            <a:r>
+              <a:rPr lang="et-EE" sz="4000" dirty="0" err="1"/>
+              <a:t>Scales</a:t>
+            </a:r>
+            <a:r>
+              <a:rPr lang="et-EE" sz="4000" dirty="0"/>
+              <a:t> the </a:t>
+            </a:r>
+            <a:r>
+              <a:rPr lang="et-EE" sz="4000" dirty="0" err="1"/>
+              <a:t>values</a:t>
+            </a:r>
+            <a:r>
+              <a:rPr lang="et-EE" sz="4000" dirty="0"/>
+              <a:t> </a:t>
+            </a:r>
+            <a:r>
+              <a:rPr lang="et-EE" sz="4000" dirty="0" err="1"/>
+              <a:t>down</a:t>
+            </a:r>
+            <a:r>
+              <a:rPr lang="et-EE" sz="4000" dirty="0"/>
+              <a:t> </a:t>
+            </a:r>
+            <a:r>
+              <a:rPr lang="et-EE" sz="4000" dirty="0" err="1"/>
+              <a:t>to</a:t>
+            </a:r>
+            <a:r>
+              <a:rPr lang="et-EE" sz="4000" dirty="0"/>
+              <a:t> range -1 </a:t>
+            </a:r>
+            <a:r>
+              <a:rPr lang="et-EE" sz="4000" dirty="0" err="1"/>
+              <a:t>to</a:t>
+            </a:r>
+            <a:r>
+              <a:rPr lang="et-EE" sz="4000" dirty="0"/>
+              <a:t> 1.</a:t>
+            </a:r>
+            <a:endParaRPr lang="en-US" sz="4000" b="1" dirty="0"/>
+          </a:p>
+          <a:p>
+            <a:pPr marL="1143000" indent="-1143000">
+              <a:lnSpc>
+                <a:spcPct val="70000"/>
+              </a:lnSpc>
+              <a:spcBef>
+                <a:spcPts val="3310"/>
+              </a:spcBef>
+              <a:buFont typeface="+mj-lt"/>
+              <a:buAutoNum type="arabicPeriod"/>
+            </a:pPr>
+            <a:r>
+              <a:rPr lang="en-US" sz="4000" b="1" dirty="0"/>
+              <a:t> Gaussian filter - </a:t>
+            </a:r>
+          </a:p>
+          <a:p>
+            <a:pPr marL="1143000" indent="-1143000">
+              <a:lnSpc>
+                <a:spcPct val="70000"/>
+              </a:lnSpc>
+              <a:spcBef>
+                <a:spcPts val="3310"/>
+              </a:spcBef>
+              <a:buFont typeface="+mj-lt"/>
+              <a:buAutoNum type="arabicPeriod"/>
+            </a:pPr>
+            <a:r>
+              <a:rPr lang="en-US" sz="4000" b="1" dirty="0"/>
+              <a:t> Standardization -</a:t>
+            </a:r>
+            <a:r>
+              <a:rPr lang="en-US" sz="4000" dirty="0"/>
+              <a:t> </a:t>
+            </a:r>
+            <a:endParaRPr lang="en-US" sz="4000" b="1" dirty="0"/>
           </a:p>
         </p:txBody>
       </p:sp>
@@ -3848,7 +4097,7 @@
         </p:nvSpPr>
         <p:spPr>
           <a:xfrm>
-            <a:off x="15185731" y="6160168"/>
+            <a:off x="15136811" y="21958068"/>
             <a:ext cx="13934450" cy="1200329"/>
           </a:xfrm>
           <a:prstGeom prst="rect">
@@ -3867,14 +4116,9 @@
               <a:buChar char="•"/>
             </a:pPr>
             <a:r>
-              <a:rPr lang="et-EE" sz="7200" dirty="0"/>
-              <a:t>Building </a:t>
-            </a:r>
-            <a:r>
-              <a:rPr lang="et-EE" sz="7200" dirty="0" err="1"/>
-              <a:t>models</a:t>
-            </a:r>
-            <a:endParaRPr lang="en-US" sz="7200" dirty="0"/>
+              <a:rPr lang="en-US" sz="7200" dirty="0"/>
+              <a:t>Building models</a:t>
+            </a:r>
           </a:p>
         </p:txBody>
       </p:sp>
@@ -3892,8 +4136,8 @@
         </p:nvSpPr>
         <p:spPr>
           <a:xfrm>
-            <a:off x="15136812" y="9267459"/>
-            <a:ext cx="13934449" cy="923330"/>
+            <a:off x="15136813" y="28443783"/>
+            <a:ext cx="13934449" cy="1200329"/>
           </a:xfrm>
           <a:prstGeom prst="rect">
             <a:avLst/>
@@ -3906,15 +4150,14 @@
           </a:bodyPr>
           <a:lstStyle/>
           <a:p>
-            <a:pPr marL="285750" indent="-285750">
+            <a:pPr marL="857250" indent="-857250">
               <a:buFont typeface="Arial" panose="020B0604020202020204" pitchFamily="34" charset="0"/>
               <a:buChar char="•"/>
             </a:pPr>
             <a:r>
-              <a:rPr lang="et-EE" sz="5400" dirty="0" err="1"/>
+              <a:rPr lang="en-US" sz="7200" dirty="0"/>
               <a:t>Conclusions</a:t>
             </a:r>
-            <a:endParaRPr lang="en-US" sz="5400" dirty="0"/>
           </a:p>
         </p:txBody>
       </p:sp>
@@ -3946,8 +4189,8 @@
         </p:blipFill>
         <p:spPr>
           <a:xfrm>
-            <a:off x="15196842" y="11181662"/>
-            <a:ext cx="14630429" cy="9144018"/>
+            <a:off x="60030" y="18686323"/>
+            <a:ext cx="15136812" cy="9460507"/>
           </a:xfrm>
           <a:prstGeom prst="rect">
             <a:avLst/>
@@ -3982,14 +4225,228 @@
         </p:blipFill>
         <p:spPr>
           <a:xfrm>
-            <a:off x="14821191" y="23155972"/>
-            <a:ext cx="14630429" cy="9144018"/>
+            <a:off x="15136811" y="5929388"/>
+            <a:ext cx="15138402" cy="9461501"/>
           </a:xfrm>
           <a:prstGeom prst="rect">
             <a:avLst/>
           </a:prstGeom>
         </p:spPr>
       </p:pic>
+      <p:pic>
+        <p:nvPicPr>
+          <p:cNvPr id="4" name="Graphic 3">
+            <a:extLst>
+              <a:ext uri="{FF2B5EF4-FFF2-40B4-BE49-F238E27FC236}">
+                <a16:creationId xmlns:a16="http://schemas.microsoft.com/office/drawing/2014/main" id="{E2983750-2871-413A-B788-38F62FF1570B}"/>
+              </a:ext>
+            </a:extLst>
+          </p:cNvPr>
+          <p:cNvPicPr>
+            <a:picLocks noChangeAspect="1"/>
+          </p:cNvPicPr>
+          <p:nvPr/>
+        </p:nvPicPr>
+        <p:blipFill>
+          <a:blip r:embed="rId5">
+            <a:extLst>
+              <a:ext uri="{28A0092B-C50C-407E-A947-70E740481C1C}">
+                <a14:useLocalDpi xmlns:a14="http://schemas.microsoft.com/office/drawing/2010/main" val="0"/>
+              </a:ext>
+              <a:ext uri="{96DAC541-7B7A-43D3-8B79-37D633B846F1}">
+                <asvg:svgBlip xmlns:asvg="http://schemas.microsoft.com/office/drawing/2016/SVG/main" r:embed="rId6"/>
+              </a:ext>
+            </a:extLst>
+          </a:blip>
+          <a:stretch>
+            <a:fillRect/>
+          </a:stretch>
+        </p:blipFill>
+        <p:spPr>
+          <a:xfrm>
+            <a:off x="1214269" y="40267039"/>
+            <a:ext cx="2536724" cy="2536724"/>
+          </a:xfrm>
+          <a:prstGeom prst="rect">
+            <a:avLst/>
+          </a:prstGeom>
+        </p:spPr>
+      </p:pic>
+      <p:sp>
+        <p:nvSpPr>
+          <p:cNvPr id="7" name="TextBox 6">
+            <a:extLst>
+              <a:ext uri="{FF2B5EF4-FFF2-40B4-BE49-F238E27FC236}">
+                <a16:creationId xmlns:a16="http://schemas.microsoft.com/office/drawing/2014/main" id="{F8A725E4-B9D6-470A-85FA-FCAF7796B0B3}"/>
+              </a:ext>
+            </a:extLst>
+          </p:cNvPr>
+          <p:cNvSpPr txBox="1"/>
+          <p:nvPr/>
+        </p:nvSpPr>
+        <p:spPr>
+          <a:xfrm>
+            <a:off x="1155032" y="27531075"/>
+            <a:ext cx="8583562" cy="584775"/>
+          </a:xfrm>
+          <a:prstGeom prst="rect">
+            <a:avLst/>
+          </a:prstGeom>
+          <a:noFill/>
+        </p:spPr>
+        <p:txBody>
+          <a:bodyPr wrap="square" rtlCol="0">
+            <a:spAutoFit/>
+          </a:bodyPr>
+          <a:lstStyle/>
+          <a:p>
+            <a:r>
+              <a:rPr lang="en-US" sz="3200" dirty="0"/>
+              <a:t>Caption: Raw light curve data</a:t>
+            </a:r>
+          </a:p>
+        </p:txBody>
+      </p:sp>
+      <p:sp>
+        <p:nvSpPr>
+          <p:cNvPr id="9" name="Rectangle 8">
+            <a:extLst>
+              <a:ext uri="{FF2B5EF4-FFF2-40B4-BE49-F238E27FC236}">
+                <a16:creationId xmlns:a16="http://schemas.microsoft.com/office/drawing/2014/main" id="{003F39CA-145F-43AF-B50B-E47A669D42A3}"/>
+              </a:ext>
+            </a:extLst>
+          </p:cNvPr>
+          <p:cNvSpPr/>
+          <p:nvPr/>
+        </p:nvSpPr>
+        <p:spPr>
+          <a:xfrm>
+            <a:off x="16304441" y="15111355"/>
+            <a:ext cx="5095113" cy="584775"/>
+          </a:xfrm>
+          <a:prstGeom prst="rect">
+            <a:avLst/>
+          </a:prstGeom>
+        </p:spPr>
+        <p:txBody>
+          <a:bodyPr wrap="none">
+            <a:spAutoFit/>
+          </a:bodyPr>
+          <a:lstStyle/>
+          <a:p>
+            <a:r>
+              <a:rPr lang="en-US" sz="3200" dirty="0"/>
+              <a:t>Caption: Post processing data</a:t>
+            </a:r>
+          </a:p>
+        </p:txBody>
+      </p:sp>
+      <p:pic>
+        <p:nvPicPr>
+          <p:cNvPr id="11" name="Picture 10" descr="A close up of text on a white background&#10;&#10;Description automatically generated">
+            <a:extLst>
+              <a:ext uri="{FF2B5EF4-FFF2-40B4-BE49-F238E27FC236}">
+                <a16:creationId xmlns:a16="http://schemas.microsoft.com/office/drawing/2014/main" id="{7C818E69-16D7-4FFA-AA56-1FA881841EA6}"/>
+              </a:ext>
+            </a:extLst>
+          </p:cNvPr>
+          <p:cNvPicPr>
+            <a:picLocks noChangeAspect="1"/>
+          </p:cNvPicPr>
+          <p:nvPr/>
+        </p:nvPicPr>
+        <p:blipFill>
+          <a:blip r:embed="rId7">
+            <a:extLst>
+              <a:ext uri="{28A0092B-C50C-407E-A947-70E740481C1C}">
+                <a14:useLocalDpi xmlns:a14="http://schemas.microsoft.com/office/drawing/2010/main" val="0"/>
+              </a:ext>
+            </a:extLst>
+          </a:blip>
+          <a:stretch>
+            <a:fillRect/>
+          </a:stretch>
+        </p:blipFill>
+        <p:spPr>
+          <a:xfrm>
+            <a:off x="15136811" y="15827679"/>
+            <a:ext cx="7962339" cy="4976462"/>
+          </a:xfrm>
+          <a:prstGeom prst="rect">
+            <a:avLst/>
+          </a:prstGeom>
+        </p:spPr>
+      </p:pic>
+      <p:pic>
+        <p:nvPicPr>
+          <p:cNvPr id="18" name="Picture 17" descr="A close up of text on a white background&#10;&#10;Description automatically generated">
+            <a:extLst>
+              <a:ext uri="{FF2B5EF4-FFF2-40B4-BE49-F238E27FC236}">
+                <a16:creationId xmlns:a16="http://schemas.microsoft.com/office/drawing/2014/main" id="{B7A71560-F578-40E5-8D8C-500CCC08DF8E}"/>
+              </a:ext>
+            </a:extLst>
+          </p:cNvPr>
+          <p:cNvPicPr>
+            <a:picLocks noChangeAspect="1"/>
+          </p:cNvPicPr>
+          <p:nvPr/>
+        </p:nvPicPr>
+        <p:blipFill>
+          <a:blip r:embed="rId8">
+            <a:extLst>
+              <a:ext uri="{28A0092B-C50C-407E-A947-70E740481C1C}">
+                <a14:useLocalDpi xmlns:a14="http://schemas.microsoft.com/office/drawing/2010/main" val="0"/>
+              </a:ext>
+            </a:extLst>
+          </a:blip>
+          <a:stretch>
+            <a:fillRect/>
+          </a:stretch>
+        </p:blipFill>
+        <p:spPr>
+          <a:xfrm>
+            <a:off x="22312872" y="15827678"/>
+            <a:ext cx="7962341" cy="4976463"/>
+          </a:xfrm>
+          <a:prstGeom prst="rect">
+            <a:avLst/>
+          </a:prstGeom>
+        </p:spPr>
+      </p:pic>
+      <p:sp>
+        <p:nvSpPr>
+          <p:cNvPr id="19" name="Rectangle 18">
+            <a:extLst>
+              <a:ext uri="{FF2B5EF4-FFF2-40B4-BE49-F238E27FC236}">
+                <a16:creationId xmlns:a16="http://schemas.microsoft.com/office/drawing/2014/main" id="{C9594996-90DD-4431-9C10-1A4A6374640B}"/>
+              </a:ext>
+            </a:extLst>
+          </p:cNvPr>
+          <p:cNvSpPr/>
+          <p:nvPr/>
+        </p:nvSpPr>
+        <p:spPr>
+          <a:xfrm>
+            <a:off x="16304441" y="20871606"/>
+            <a:ext cx="13934449" cy="584775"/>
+          </a:xfrm>
+          <a:prstGeom prst="rect">
+            <a:avLst/>
+          </a:prstGeom>
+        </p:spPr>
+        <p:txBody>
+          <a:bodyPr wrap="square">
+            <a:spAutoFit/>
+          </a:bodyPr>
+          <a:lstStyle/>
+          <a:p>
+            <a:r>
+              <a:rPr lang="en-US" sz="3200" dirty="0"/>
+              <a:t>Caption: Examples of exoplanets (left) vs non exoplanets (right)</a:t>
+            </a:r>
+          </a:p>
+        </p:txBody>
+      </p:sp>
     </p:spTree>
     <p:extLst>
       <p:ext uri="{BB962C8B-B14F-4D97-AF65-F5344CB8AC3E}">

--- a/M9_poster.pptx
+++ b/M9_poster.pptx
@@ -3598,8 +3598,8 @@
         </p:nvSpPr>
         <p:spPr>
           <a:xfrm>
-            <a:off x="1155032" y="6160168"/>
-            <a:ext cx="13982573" cy="5021494"/>
+            <a:off x="1155032" y="6160167"/>
+            <a:ext cx="13982573" cy="6726209"/>
           </a:xfrm>
         </p:spPr>
         <p:txBody>
@@ -3622,6 +3622,9 @@
           </a:p>
           <a:p>
             <a:pPr marL="0" indent="0">
+              <a:lnSpc>
+                <a:spcPct val="120000"/>
+              </a:lnSpc>
               <a:buNone/>
             </a:pPr>
             <a:r>
@@ -3814,8 +3817,8 @@
         </p:nvSpPr>
         <p:spPr>
           <a:xfrm>
-            <a:off x="1214269" y="12335589"/>
-            <a:ext cx="13982573" cy="5196807"/>
+            <a:off x="1154236" y="14795894"/>
+            <a:ext cx="13982573" cy="6831101"/>
           </a:xfrm>
           <a:prstGeom prst="rect">
             <a:avLst/>
@@ -3847,24 +3850,13 @@
           </a:p>
           <a:p>
             <a:pPr>
-              <a:lnSpc>
-                <a:spcPct val="70000"/>
-              </a:lnSpc>
               <a:spcBef>
                 <a:spcPts val="3310"/>
               </a:spcBef>
             </a:pPr>
             <a:r>
               <a:rPr lang="en-US" sz="4000" dirty="0"/>
-              <a:t>The light curve data comes from the Kepler space telescope, publicly available on NASA exoplanet archive. For this project, Kaggle dataset was used, which uses Kepler Campaign 3 data. Kaggle dataset has been made much more usable than raw data from NASA, as it has been made into a .csv file, while as NASA provides raw .fits files. The datasets include indicator of exoplanet </a:t>
-            </a:r>
-            <a:r>
-              <a:rPr lang="en-US" sz="4000" dirty="0" err="1"/>
-              <a:t>excistance</a:t>
-            </a:r>
-            <a:r>
-              <a:rPr lang="en-US" sz="4000" dirty="0"/>
-              <a:t> and 3197 flux measurements. The training set contains 5087 observations with 37 confirmed planets and the test set contains 570 observations with 5 confirmed planets.</a:t>
+              <a:t>The light curve data comes from the Kepler space telescope, publicly available on NASA exoplanet archive. For this project, Kaggle dataset was used, which uses Kepler Campaign 3 data. Kaggle dataset has been made much more usable than raw data from NASA, as it has been made into a .csv file, while as NASA provides raw .fits files. The datasets include indicator of exoplanet existence and 3197 flux measurements. The training set contains 5087 observations with 37 confirmed planets and the test set contains 570 observations with 5 confirmed planets.</a:t>
             </a:r>
           </a:p>
         </p:txBody>
@@ -3883,8 +3875,8 @@
         </p:nvSpPr>
         <p:spPr>
           <a:xfrm>
-            <a:off x="1154238" y="29271092"/>
-            <a:ext cx="13982573" cy="4742837"/>
+            <a:off x="1154236" y="33925970"/>
+            <a:ext cx="13982573" cy="4662174"/>
           </a:xfrm>
           <a:prstGeom prst="rect">
             <a:avLst/>
@@ -3926,62 +3918,10 @@
               <a:buAutoNum type="arabicPeriod"/>
             </a:pPr>
             <a:r>
-              <a:rPr lang="en-US" sz="4000" b="1" dirty="0"/>
-              <a:t> Fourier transform </a:t>
-            </a:r>
-            <a:r>
-              <a:rPr lang="et-EE" sz="4000" b="1" dirty="0"/>
-              <a:t>- </a:t>
-            </a:r>
-            <a:r>
-              <a:rPr lang="et-EE" sz="4000" dirty="0" err="1"/>
-              <a:t>Expresses</a:t>
-            </a:r>
-            <a:r>
-              <a:rPr lang="et-EE" sz="4000" dirty="0"/>
-              <a:t> the </a:t>
-            </a:r>
-            <a:r>
-              <a:rPr lang="et-EE" sz="4000" dirty="0" err="1"/>
-              <a:t>time</a:t>
-            </a:r>
-            <a:r>
-              <a:rPr lang="et-EE" sz="4000" dirty="0"/>
-              <a:t> </a:t>
-            </a:r>
-            <a:r>
-              <a:rPr lang="et-EE" sz="4000" dirty="0" err="1"/>
-              <a:t>series</a:t>
-            </a:r>
-            <a:r>
-              <a:rPr lang="et-EE" sz="4000" dirty="0"/>
-              <a:t> as a </a:t>
-            </a:r>
-            <a:r>
-              <a:rPr lang="et-EE" sz="4000" dirty="0" err="1"/>
-              <a:t>sum</a:t>
-            </a:r>
-            <a:r>
-              <a:rPr lang="et-EE" sz="4000" dirty="0"/>
-              <a:t> of </a:t>
-            </a:r>
-            <a:r>
-              <a:rPr lang="et-EE" sz="4000" dirty="0" err="1"/>
-              <a:t>its</a:t>
-            </a:r>
-            <a:r>
-              <a:rPr lang="et-EE" sz="4000" dirty="0"/>
-              <a:t> periodic </a:t>
-            </a:r>
-            <a:r>
-              <a:rPr lang="et-EE" sz="4000" dirty="0" err="1"/>
-              <a:t>components</a:t>
-            </a:r>
-            <a:r>
-              <a:rPr lang="et-EE" sz="4000" dirty="0"/>
-              <a:t>. </a:t>
-            </a:r>
-            <a:endParaRPr lang="en-US" sz="4000" b="1" dirty="0"/>
+              <a:rPr lang="en-US" sz="4800" dirty="0"/>
+              <a:t>Fourier transform </a:t>
+            </a:r>
+            <a:endParaRPr lang="et-EE" sz="4800" dirty="0"/>
           </a:p>
           <a:p>
             <a:pPr marL="1143000" indent="-1143000">
@@ -3995,54 +3935,10 @@
               <a:buAutoNum type="arabicPeriod"/>
             </a:pPr>
             <a:r>
-              <a:rPr lang="en-US" sz="4000" b="1" dirty="0"/>
-              <a:t> Normalization - </a:t>
-            </a:r>
-            <a:r>
-              <a:rPr lang="en-US" sz="4000" dirty="0"/>
-              <a:t> </a:t>
-            </a:r>
-            <a:r>
-              <a:rPr lang="et-EE" sz="4000" dirty="0" err="1"/>
-              <a:t>Scales</a:t>
-            </a:r>
-            <a:r>
-              <a:rPr lang="et-EE" sz="4000" dirty="0"/>
-              <a:t> the </a:t>
-            </a:r>
-            <a:r>
-              <a:rPr lang="et-EE" sz="4000" dirty="0" err="1"/>
-              <a:t>values</a:t>
-            </a:r>
-            <a:r>
-              <a:rPr lang="et-EE" sz="4000" dirty="0"/>
-              <a:t> </a:t>
-            </a:r>
-            <a:r>
-              <a:rPr lang="et-EE" sz="4000" dirty="0" err="1"/>
-              <a:t>down</a:t>
-            </a:r>
-            <a:r>
-              <a:rPr lang="et-EE" sz="4000" dirty="0"/>
-              <a:t> </a:t>
-            </a:r>
-            <a:r>
-              <a:rPr lang="et-EE" sz="4000" dirty="0" err="1"/>
-              <a:t>to</a:t>
-            </a:r>
-            <a:r>
-              <a:rPr lang="et-EE" sz="4000" dirty="0"/>
-              <a:t> range -1 </a:t>
-            </a:r>
-            <a:r>
-              <a:rPr lang="et-EE" sz="4000" dirty="0" err="1"/>
-              <a:t>to</a:t>
-            </a:r>
-            <a:r>
-              <a:rPr lang="et-EE" sz="4000" dirty="0"/>
-              <a:t> 1.</a:t>
-            </a:r>
-            <a:endParaRPr lang="en-US" sz="4000" b="1" dirty="0"/>
+              <a:rPr lang="en-US" sz="4800" dirty="0"/>
+              <a:t>Normalization </a:t>
+            </a:r>
+            <a:endParaRPr lang="et-EE" sz="4800" dirty="0"/>
           </a:p>
           <a:p>
             <a:pPr marL="1143000" indent="-1143000">
@@ -4056,8 +3952,8 @@
               <a:buAutoNum type="arabicPeriod"/>
             </a:pPr>
             <a:r>
-              <a:rPr lang="en-US" sz="4000" b="1" dirty="0"/>
-              <a:t> Gaussian filter - </a:t>
+              <a:rPr lang="en-US" sz="4800" dirty="0"/>
+              <a:t>Gaussian filter  </a:t>
             </a:r>
           </a:p>
           <a:p>
@@ -4072,14 +3968,9 @@
               <a:buAutoNum type="arabicPeriod"/>
             </a:pPr>
             <a:r>
-              <a:rPr lang="en-US" sz="4000" b="1" dirty="0"/>
-              <a:t> Standardization -</a:t>
-            </a:r>
-            <a:r>
-              <a:rPr lang="en-US" sz="4000" dirty="0"/>
-              <a:t> </a:t>
-            </a:r>
-            <a:endParaRPr lang="en-US" sz="4000" b="1" dirty="0"/>
+              <a:rPr lang="en-US" sz="4800" dirty="0"/>
+              <a:t>Standardization  </a:t>
+            </a:r>
           </a:p>
         </p:txBody>
       </p:sp>
@@ -4097,8 +3988,8 @@
         </p:nvSpPr>
         <p:spPr>
           <a:xfrm>
-            <a:off x="15136811" y="21958068"/>
-            <a:ext cx="13934450" cy="1200329"/>
+            <a:off x="15196842" y="22638935"/>
+            <a:ext cx="13934450" cy="5509200"/>
           </a:xfrm>
           <a:prstGeom prst="rect">
             <a:avLst/>
@@ -4118,6 +4009,67 @@
             <a:r>
               <a:rPr lang="en-US" sz="7200" dirty="0"/>
               <a:t>Building models</a:t>
+            </a:r>
+          </a:p>
+          <a:p>
+            <a:r>
+              <a:rPr lang="en-US" sz="4000" dirty="0"/>
+              <a:t>Following models were tested on the dataset:</a:t>
+            </a:r>
+          </a:p>
+          <a:p>
+            <a:pPr marL="571500" indent="-571500">
+              <a:buFont typeface="Arial" panose="020B0604020202020204" pitchFamily="34" charset="0"/>
+              <a:buChar char="•"/>
+            </a:pPr>
+            <a:r>
+              <a:rPr lang="en-US" sz="4800" dirty="0"/>
+              <a:t>Logistic Regression</a:t>
+            </a:r>
+          </a:p>
+          <a:p>
+            <a:pPr marL="571500" indent="-571500">
+              <a:buFont typeface="Arial" panose="020B0604020202020204" pitchFamily="34" charset="0"/>
+              <a:buChar char="•"/>
+            </a:pPr>
+            <a:r>
+              <a:rPr lang="en-US" sz="4800" dirty="0"/>
+              <a:t>Support Vector Machine</a:t>
+            </a:r>
+          </a:p>
+          <a:p>
+            <a:pPr marL="571500" indent="-571500">
+              <a:buFont typeface="Arial" panose="020B0604020202020204" pitchFamily="34" charset="0"/>
+              <a:buChar char="•"/>
+            </a:pPr>
+            <a:r>
+              <a:rPr lang="en-US" sz="4800" dirty="0"/>
+              <a:t>K-Nearest </a:t>
+            </a:r>
+            <a:r>
+              <a:rPr lang="en-US" sz="4800" dirty="0" err="1"/>
+              <a:t>Neighbours</a:t>
+            </a:r>
+            <a:endParaRPr lang="en-US" sz="4800" dirty="0"/>
+          </a:p>
+          <a:p>
+            <a:pPr marL="571500" indent="-571500">
+              <a:buFont typeface="Arial" panose="020B0604020202020204" pitchFamily="34" charset="0"/>
+              <a:buChar char="•"/>
+            </a:pPr>
+            <a:r>
+              <a:rPr lang="en-US" sz="4800" dirty="0"/>
+              <a:t>Decision tree</a:t>
+            </a:r>
+          </a:p>
+          <a:p>
+            <a:pPr marL="571500" indent="-571500">
+              <a:buFont typeface="Arial" panose="020B0604020202020204" pitchFamily="34" charset="0"/>
+              <a:buChar char="•"/>
+            </a:pPr>
+            <a:r>
+              <a:rPr lang="en-US" sz="4800" dirty="0"/>
+              <a:t>Random forest</a:t>
             </a:r>
           </a:p>
         </p:txBody>
@@ -4136,8 +4088,8 @@
         </p:nvSpPr>
         <p:spPr>
           <a:xfrm>
-            <a:off x="15136813" y="28443783"/>
-            <a:ext cx="13934449" cy="1200329"/>
+            <a:off x="15003927" y="28559316"/>
+            <a:ext cx="13934449" cy="6740307"/>
           </a:xfrm>
           <a:prstGeom prst="rect">
             <a:avLst/>
@@ -4157,6 +4109,57 @@
             <a:r>
               <a:rPr lang="en-US" sz="7200" dirty="0"/>
               <a:t>Conclusions</a:t>
+            </a:r>
+            <a:endParaRPr lang="et-EE" sz="7200" dirty="0"/>
+          </a:p>
+          <a:p>
+            <a:r>
+              <a:rPr lang="en-US" sz="4000" dirty="0"/>
+              <a:t>Best results were provided by the random forest models. With a small amount of decision trees in the forest, the model managed to gain 1.0 recall and precision on tests. We find that this model is very effic</a:t>
+            </a:r>
+            <a:r>
+              <a:rPr lang="et-EE" sz="4000" dirty="0"/>
+              <a:t>ient</a:t>
+            </a:r>
+            <a:r>
+              <a:rPr lang="en-US" sz="4000" dirty="0"/>
+              <a:t> way to detect planets with short orbital periods, as they are detected several times during a measurement campaign. Planets with periods longer than measurement campaigns need more work as repe</a:t>
+            </a:r>
+            <a:r>
+              <a:rPr lang="et-EE" sz="4000" dirty="0"/>
+              <a:t>a</a:t>
+            </a:r>
+            <a:r>
+              <a:rPr lang="en-US" sz="4000" dirty="0"/>
+              <a:t>t detections on the light</a:t>
+            </a:r>
+            <a:r>
+              <a:rPr lang="et-EE" sz="4000" dirty="0"/>
+              <a:t> </a:t>
+            </a:r>
+            <a:r>
+              <a:rPr lang="en-US" sz="4000" dirty="0"/>
+              <a:t>cu</a:t>
+            </a:r>
+            <a:r>
+              <a:rPr lang="et-EE" sz="4000" dirty="0"/>
+              <a:t>r</a:t>
+            </a:r>
+            <a:r>
+              <a:rPr lang="en-US" sz="4000" dirty="0" err="1"/>
+              <a:t>ve</a:t>
+            </a:r>
+            <a:r>
+              <a:rPr lang="en-US" sz="4000" dirty="0"/>
+              <a:t> are needed for conformation of the</a:t>
+            </a:r>
+            <a:r>
+              <a:rPr lang="et-EE" sz="4000" dirty="0"/>
+              <a:t> </a:t>
+            </a:r>
+            <a:r>
+              <a:rPr lang="en-US" sz="4000" dirty="0"/>
+              <a:t>exoplanets existence. Below are the confusion matrixes for the random forest model.</a:t>
             </a:r>
           </a:p>
         </p:txBody>
@@ -4189,8 +4192,8 @@
         </p:blipFill>
         <p:spPr>
           <a:xfrm>
-            <a:off x="60030" y="18686323"/>
-            <a:ext cx="15136812" cy="9460507"/>
+            <a:off x="0" y="22445721"/>
+            <a:ext cx="15099212" cy="9437007"/>
           </a:xfrm>
           <a:prstGeom prst="rect">
             <a:avLst/>
@@ -4286,7 +4289,7 @@
         </p:nvSpPr>
         <p:spPr>
           <a:xfrm>
-            <a:off x="1155032" y="27531075"/>
+            <a:off x="1336837" y="31569132"/>
             <a:ext cx="8583562" cy="584775"/>
           </a:xfrm>
           <a:prstGeom prst="rect">
@@ -4443,6 +4446,505 @@
             <a:r>
               <a:rPr lang="en-US" sz="3200" dirty="0"/>
               <a:t>Caption: Examples of exoplanets (left) vs non exoplanets (right)</a:t>
+            </a:r>
+          </a:p>
+        </p:txBody>
+      </p:sp>
+      <p:graphicFrame>
+        <p:nvGraphicFramePr>
+          <p:cNvPr id="17" name="Table 19">
+            <a:extLst>
+              <a:ext uri="{FF2B5EF4-FFF2-40B4-BE49-F238E27FC236}">
+                <a16:creationId xmlns:a16="http://schemas.microsoft.com/office/drawing/2014/main" id="{4F361825-29B0-459D-ADCA-990696B93126}"/>
+              </a:ext>
+            </a:extLst>
+          </p:cNvPr>
+          <p:cNvGraphicFramePr>
+            <a:graphicFrameLocks noGrp="1"/>
+          </p:cNvGraphicFramePr>
+          <p:nvPr>
+            <p:extLst>
+              <p:ext uri="{D42A27DB-BD31-4B8C-83A1-F6EECF244321}">
+                <p14:modId xmlns:p14="http://schemas.microsoft.com/office/powerpoint/2010/main" val="960421220"/>
+              </p:ext>
+            </p:extLst>
+          </p:nvPr>
+        </p:nvGraphicFramePr>
+        <p:xfrm>
+          <a:off x="15136811" y="35640867"/>
+          <a:ext cx="6636543" cy="3066288"/>
+        </p:xfrm>
+        <a:graphic>
+          <a:graphicData uri="http://schemas.openxmlformats.org/drawingml/2006/table">
+            <a:tbl>
+              <a:tblPr firstRow="1" firstCol="1" bandRow="1">
+                <a:tableStyleId>{6E25E649-3F16-4E02-A733-19D2CDBF48F0}</a:tableStyleId>
+              </a:tblPr>
+              <a:tblGrid>
+                <a:gridCol w="2212181">
+                  <a:extLst>
+                    <a:ext uri="{9D8B030D-6E8A-4147-A177-3AD203B41FA5}">
+                      <a16:colId xmlns:a16="http://schemas.microsoft.com/office/drawing/2014/main" val="3358282640"/>
+                    </a:ext>
+                  </a:extLst>
+                </a:gridCol>
+                <a:gridCol w="2212181">
+                  <a:extLst>
+                    <a:ext uri="{9D8B030D-6E8A-4147-A177-3AD203B41FA5}">
+                      <a16:colId xmlns:a16="http://schemas.microsoft.com/office/drawing/2014/main" val="1878358440"/>
+                    </a:ext>
+                  </a:extLst>
+                </a:gridCol>
+                <a:gridCol w="2212181">
+                  <a:extLst>
+                    <a:ext uri="{9D8B030D-6E8A-4147-A177-3AD203B41FA5}">
+                      <a16:colId xmlns:a16="http://schemas.microsoft.com/office/drawing/2014/main" val="203740389"/>
+                    </a:ext>
+                  </a:extLst>
+                </a:gridCol>
+              </a:tblGrid>
+              <a:tr h="0">
+                <a:tc>
+                  <a:txBody>
+                    <a:bodyPr/>
+                    <a:lstStyle/>
+                    <a:p>
+                      <a:endParaRPr lang="en-US" dirty="0"/>
+                    </a:p>
+                  </a:txBody>
+                  <a:tcPr/>
+                </a:tc>
+                <a:tc>
+                  <a:txBody>
+                    <a:bodyPr/>
+                    <a:lstStyle/>
+                    <a:p>
+                      <a:r>
+                        <a:rPr lang="et-EE" sz="3200" dirty="0" err="1"/>
+                        <a:t>Predicted</a:t>
+                      </a:r>
+                      <a:r>
+                        <a:rPr lang="et-EE" sz="3200" dirty="0"/>
+                        <a:t> </a:t>
+                      </a:r>
+                      <a:r>
+                        <a:rPr lang="et-EE" sz="3200" dirty="0" err="1"/>
+                        <a:t>False</a:t>
+                      </a:r>
+                      <a:endParaRPr lang="en-US" sz="3200" dirty="0"/>
+                    </a:p>
+                  </a:txBody>
+                  <a:tcPr/>
+                </a:tc>
+                <a:tc>
+                  <a:txBody>
+                    <a:bodyPr/>
+                    <a:lstStyle/>
+                    <a:p>
+                      <a:r>
+                        <a:rPr lang="et-EE" sz="3200" dirty="0" err="1"/>
+                        <a:t>Predicted</a:t>
+                      </a:r>
+                      <a:r>
+                        <a:rPr lang="et-EE" sz="3200" dirty="0"/>
+                        <a:t> </a:t>
+                      </a:r>
+                      <a:r>
+                        <a:rPr lang="et-EE" sz="3200" dirty="0" err="1"/>
+                        <a:t>False</a:t>
+                      </a:r>
+                      <a:endParaRPr lang="en-US" sz="3200" dirty="0"/>
+                    </a:p>
+                  </a:txBody>
+                  <a:tcPr/>
+                </a:tc>
+                <a:extLst>
+                  <a:ext uri="{0D108BD9-81ED-4DB2-BD59-A6C34878D82A}">
+                    <a16:rowId xmlns:a16="http://schemas.microsoft.com/office/drawing/2014/main" val="3308755616"/>
+                  </a:ext>
+                </a:extLst>
+              </a:tr>
+              <a:tr h="844190">
+                <a:tc>
+                  <a:txBody>
+                    <a:bodyPr/>
+                    <a:lstStyle/>
+                    <a:p>
+                      <a:r>
+                        <a:rPr lang="et-EE" sz="3200" dirty="0" err="1"/>
+                        <a:t>Actual</a:t>
+                      </a:r>
+                      <a:r>
+                        <a:rPr lang="et-EE" sz="3200" dirty="0"/>
+                        <a:t> </a:t>
+                      </a:r>
+                      <a:r>
+                        <a:rPr lang="et-EE" sz="3200" dirty="0" err="1"/>
+                        <a:t>False</a:t>
+                      </a:r>
+                      <a:endParaRPr lang="en-US" sz="3200" dirty="0"/>
+                    </a:p>
+                  </a:txBody>
+                  <a:tcPr/>
+                </a:tc>
+                <a:tc>
+                  <a:txBody>
+                    <a:bodyPr/>
+                    <a:lstStyle/>
+                    <a:p>
+                      <a:r>
+                        <a:rPr lang="et-EE" dirty="0"/>
+                        <a:t>5050</a:t>
+                      </a:r>
+                      <a:endParaRPr lang="en-US" dirty="0"/>
+                    </a:p>
+                  </a:txBody>
+                  <a:tcPr/>
+                </a:tc>
+                <a:tc>
+                  <a:txBody>
+                    <a:bodyPr/>
+                    <a:lstStyle/>
+                    <a:p>
+                      <a:r>
+                        <a:rPr lang="et-EE" dirty="0"/>
+                        <a:t>0</a:t>
+                      </a:r>
+                      <a:endParaRPr lang="en-US" dirty="0"/>
+                    </a:p>
+                  </a:txBody>
+                  <a:tcPr/>
+                </a:tc>
+                <a:extLst>
+                  <a:ext uri="{0D108BD9-81ED-4DB2-BD59-A6C34878D82A}">
+                    <a16:rowId xmlns:a16="http://schemas.microsoft.com/office/drawing/2014/main" val="2131574481"/>
+                  </a:ext>
+                </a:extLst>
+              </a:tr>
+              <a:tr h="844190">
+                <a:tc>
+                  <a:txBody>
+                    <a:bodyPr/>
+                    <a:lstStyle/>
+                    <a:p>
+                      <a:r>
+                        <a:rPr lang="et-EE" sz="3200" dirty="0" err="1"/>
+                        <a:t>Actual</a:t>
+                      </a:r>
+                      <a:r>
+                        <a:rPr lang="et-EE" sz="3200" dirty="0"/>
+                        <a:t> </a:t>
+                      </a:r>
+                      <a:r>
+                        <a:rPr lang="et-EE" sz="3200" dirty="0" err="1"/>
+                        <a:t>True</a:t>
+                      </a:r>
+                      <a:endParaRPr lang="en-US" sz="3200" dirty="0"/>
+                    </a:p>
+                  </a:txBody>
+                  <a:tcPr/>
+                </a:tc>
+                <a:tc>
+                  <a:txBody>
+                    <a:bodyPr/>
+                    <a:lstStyle/>
+                    <a:p>
+                      <a:r>
+                        <a:rPr lang="et-EE" dirty="0"/>
+                        <a:t>0</a:t>
+                      </a:r>
+                      <a:endParaRPr lang="en-US" dirty="0"/>
+                    </a:p>
+                  </a:txBody>
+                  <a:tcPr/>
+                </a:tc>
+                <a:tc>
+                  <a:txBody>
+                    <a:bodyPr/>
+                    <a:lstStyle/>
+                    <a:p>
+                      <a:r>
+                        <a:rPr lang="et-EE" dirty="0"/>
+                        <a:t>37</a:t>
+                      </a:r>
+                      <a:endParaRPr lang="en-US" dirty="0"/>
+                    </a:p>
+                  </a:txBody>
+                  <a:tcPr/>
+                </a:tc>
+                <a:extLst>
+                  <a:ext uri="{0D108BD9-81ED-4DB2-BD59-A6C34878D82A}">
+                    <a16:rowId xmlns:a16="http://schemas.microsoft.com/office/drawing/2014/main" val="3013015687"/>
+                  </a:ext>
+                </a:extLst>
+              </a:tr>
+            </a:tbl>
+          </a:graphicData>
+        </a:graphic>
+      </p:graphicFrame>
+      <p:graphicFrame>
+        <p:nvGraphicFramePr>
+          <p:cNvPr id="26" name="Table 19">
+            <a:extLst>
+              <a:ext uri="{FF2B5EF4-FFF2-40B4-BE49-F238E27FC236}">
+                <a16:creationId xmlns:a16="http://schemas.microsoft.com/office/drawing/2014/main" id="{0FAB2786-CDE9-407A-A604-C9D960BE5439}"/>
+              </a:ext>
+            </a:extLst>
+          </p:cNvPr>
+          <p:cNvGraphicFramePr>
+            <a:graphicFrameLocks noGrp="1"/>
+          </p:cNvGraphicFramePr>
+          <p:nvPr>
+            <p:extLst>
+              <p:ext uri="{D42A27DB-BD31-4B8C-83A1-F6EECF244321}">
+                <p14:modId xmlns:p14="http://schemas.microsoft.com/office/powerpoint/2010/main" val="3545992056"/>
+              </p:ext>
+            </p:extLst>
+          </p:nvPr>
+        </p:nvGraphicFramePr>
+        <p:xfrm>
+          <a:off x="23099150" y="35640867"/>
+          <a:ext cx="6636543" cy="3066288"/>
+        </p:xfrm>
+        <a:graphic>
+          <a:graphicData uri="http://schemas.openxmlformats.org/drawingml/2006/table">
+            <a:tbl>
+              <a:tblPr firstRow="1" firstCol="1" bandRow="1">
+                <a:tableStyleId>{6E25E649-3F16-4E02-A733-19D2CDBF48F0}</a:tableStyleId>
+              </a:tblPr>
+              <a:tblGrid>
+                <a:gridCol w="2212181">
+                  <a:extLst>
+                    <a:ext uri="{9D8B030D-6E8A-4147-A177-3AD203B41FA5}">
+                      <a16:colId xmlns:a16="http://schemas.microsoft.com/office/drawing/2014/main" val="3358282640"/>
+                    </a:ext>
+                  </a:extLst>
+                </a:gridCol>
+                <a:gridCol w="2212181">
+                  <a:extLst>
+                    <a:ext uri="{9D8B030D-6E8A-4147-A177-3AD203B41FA5}">
+                      <a16:colId xmlns:a16="http://schemas.microsoft.com/office/drawing/2014/main" val="1878358440"/>
+                    </a:ext>
+                  </a:extLst>
+                </a:gridCol>
+                <a:gridCol w="2212181">
+                  <a:extLst>
+                    <a:ext uri="{9D8B030D-6E8A-4147-A177-3AD203B41FA5}">
+                      <a16:colId xmlns:a16="http://schemas.microsoft.com/office/drawing/2014/main" val="203740389"/>
+                    </a:ext>
+                  </a:extLst>
+                </a:gridCol>
+              </a:tblGrid>
+              <a:tr h="0">
+                <a:tc>
+                  <a:txBody>
+                    <a:bodyPr/>
+                    <a:lstStyle/>
+                    <a:p>
+                      <a:endParaRPr lang="en-US" dirty="0"/>
+                    </a:p>
+                  </a:txBody>
+                  <a:tcPr/>
+                </a:tc>
+                <a:tc>
+                  <a:txBody>
+                    <a:bodyPr/>
+                    <a:lstStyle/>
+                    <a:p>
+                      <a:r>
+                        <a:rPr lang="et-EE" sz="3200" dirty="0" err="1"/>
+                        <a:t>Predicted</a:t>
+                      </a:r>
+                      <a:r>
+                        <a:rPr lang="et-EE" sz="3200" dirty="0"/>
+                        <a:t> </a:t>
+                      </a:r>
+                      <a:r>
+                        <a:rPr lang="et-EE" sz="3200" dirty="0" err="1"/>
+                        <a:t>False</a:t>
+                      </a:r>
+                      <a:endParaRPr lang="en-US" sz="3200" dirty="0"/>
+                    </a:p>
+                  </a:txBody>
+                  <a:tcPr/>
+                </a:tc>
+                <a:tc>
+                  <a:txBody>
+                    <a:bodyPr/>
+                    <a:lstStyle/>
+                    <a:p>
+                      <a:r>
+                        <a:rPr lang="et-EE" sz="3200" dirty="0" err="1"/>
+                        <a:t>Predicted</a:t>
+                      </a:r>
+                      <a:r>
+                        <a:rPr lang="et-EE" sz="3200" dirty="0"/>
+                        <a:t> </a:t>
+                      </a:r>
+                      <a:r>
+                        <a:rPr lang="et-EE" sz="3200" dirty="0" err="1"/>
+                        <a:t>False</a:t>
+                      </a:r>
+                      <a:endParaRPr lang="en-US" sz="3200" dirty="0"/>
+                    </a:p>
+                  </a:txBody>
+                  <a:tcPr/>
+                </a:tc>
+                <a:extLst>
+                  <a:ext uri="{0D108BD9-81ED-4DB2-BD59-A6C34878D82A}">
+                    <a16:rowId xmlns:a16="http://schemas.microsoft.com/office/drawing/2014/main" val="3308755616"/>
+                  </a:ext>
+                </a:extLst>
+              </a:tr>
+              <a:tr h="844190">
+                <a:tc>
+                  <a:txBody>
+                    <a:bodyPr/>
+                    <a:lstStyle/>
+                    <a:p>
+                      <a:r>
+                        <a:rPr lang="et-EE" sz="3200" dirty="0" err="1"/>
+                        <a:t>Actual</a:t>
+                      </a:r>
+                      <a:r>
+                        <a:rPr lang="et-EE" sz="3200" dirty="0"/>
+                        <a:t> </a:t>
+                      </a:r>
+                      <a:r>
+                        <a:rPr lang="et-EE" sz="3200" dirty="0" err="1"/>
+                        <a:t>False</a:t>
+                      </a:r>
+                      <a:endParaRPr lang="en-US" sz="3200" dirty="0"/>
+                    </a:p>
+                  </a:txBody>
+                  <a:tcPr/>
+                </a:tc>
+                <a:tc>
+                  <a:txBody>
+                    <a:bodyPr/>
+                    <a:lstStyle/>
+                    <a:p>
+                      <a:r>
+                        <a:rPr lang="et-EE" dirty="0"/>
+                        <a:t>565</a:t>
+                      </a:r>
+                      <a:endParaRPr lang="en-US" dirty="0"/>
+                    </a:p>
+                  </a:txBody>
+                  <a:tcPr/>
+                </a:tc>
+                <a:tc>
+                  <a:txBody>
+                    <a:bodyPr/>
+                    <a:lstStyle/>
+                    <a:p>
+                      <a:r>
+                        <a:rPr lang="et-EE" dirty="0"/>
+                        <a:t>0</a:t>
+                      </a:r>
+                      <a:endParaRPr lang="en-US" dirty="0"/>
+                    </a:p>
+                  </a:txBody>
+                  <a:tcPr/>
+                </a:tc>
+                <a:extLst>
+                  <a:ext uri="{0D108BD9-81ED-4DB2-BD59-A6C34878D82A}">
+                    <a16:rowId xmlns:a16="http://schemas.microsoft.com/office/drawing/2014/main" val="2131574481"/>
+                  </a:ext>
+                </a:extLst>
+              </a:tr>
+              <a:tr h="844190">
+                <a:tc>
+                  <a:txBody>
+                    <a:bodyPr/>
+                    <a:lstStyle/>
+                    <a:p>
+                      <a:r>
+                        <a:rPr lang="et-EE" sz="3200" dirty="0" err="1"/>
+                        <a:t>Actual</a:t>
+                      </a:r>
+                      <a:r>
+                        <a:rPr lang="et-EE" sz="3200" dirty="0"/>
+                        <a:t> </a:t>
+                      </a:r>
+                      <a:r>
+                        <a:rPr lang="et-EE" sz="3200" dirty="0" err="1"/>
+                        <a:t>True</a:t>
+                      </a:r>
+                      <a:endParaRPr lang="en-US" sz="3200" dirty="0"/>
+                    </a:p>
+                  </a:txBody>
+                  <a:tcPr/>
+                </a:tc>
+                <a:tc>
+                  <a:txBody>
+                    <a:bodyPr/>
+                    <a:lstStyle/>
+                    <a:p>
+                      <a:r>
+                        <a:rPr lang="et-EE" dirty="0"/>
+                        <a:t>0</a:t>
+                      </a:r>
+                      <a:endParaRPr lang="en-US" dirty="0"/>
+                    </a:p>
+                  </a:txBody>
+                  <a:tcPr/>
+                </a:tc>
+                <a:tc>
+                  <a:txBody>
+                    <a:bodyPr/>
+                    <a:lstStyle/>
+                    <a:p>
+                      <a:r>
+                        <a:rPr lang="et-EE" dirty="0"/>
+                        <a:t>5</a:t>
+                      </a:r>
+                      <a:endParaRPr lang="en-US" dirty="0"/>
+                    </a:p>
+                  </a:txBody>
+                  <a:tcPr/>
+                </a:tc>
+                <a:extLst>
+                  <a:ext uri="{0D108BD9-81ED-4DB2-BD59-A6C34878D82A}">
+                    <a16:rowId xmlns:a16="http://schemas.microsoft.com/office/drawing/2014/main" val="3013015687"/>
+                  </a:ext>
+                </a:extLst>
+              </a:tr>
+            </a:tbl>
+          </a:graphicData>
+        </a:graphic>
+      </p:graphicFrame>
+      <p:sp>
+        <p:nvSpPr>
+          <p:cNvPr id="23" name="TextBox 22">
+            <a:extLst>
+              <a:ext uri="{FF2B5EF4-FFF2-40B4-BE49-F238E27FC236}">
+                <a16:creationId xmlns:a16="http://schemas.microsoft.com/office/drawing/2014/main" id="{A775531A-70DF-43FD-97F5-F0E51CC14FC0}"/>
+              </a:ext>
+            </a:extLst>
+          </p:cNvPr>
+          <p:cNvSpPr txBox="1"/>
+          <p:nvPr/>
+        </p:nvSpPr>
+        <p:spPr>
+          <a:xfrm>
+            <a:off x="15003927" y="39194666"/>
+            <a:ext cx="14617890" cy="584861"/>
+          </a:xfrm>
+          <a:prstGeom prst="rect">
+            <a:avLst/>
+          </a:prstGeom>
+          <a:noFill/>
+        </p:spPr>
+        <p:txBody>
+          <a:bodyPr wrap="square" rtlCol="0">
+            <a:spAutoFit/>
+          </a:bodyPr>
+          <a:lstStyle/>
+          <a:p>
+            <a:r>
+              <a:rPr lang="en-US" sz="3200" dirty="0"/>
+              <a:t>Confusion matrixes for training and testing datasets.</a:t>
             </a:r>
           </a:p>
         </p:txBody>

--- a/M9_poster.pptx
+++ b/M9_poster.pptx
@@ -223,7 +223,7 @@
           <a:p>
             <a:fld id="{A9C9B128-F4BE-4D7A-AFD9-2AB1AE347F72}" type="datetimeFigureOut">
               <a:rPr lang="en-US" smtClean="0"/>
-              <a:t>12/16/2019</a:t>
+              <a:t>12/19/2019</a:t>
             </a:fld>
             <a:endParaRPr lang="en-US"/>
           </a:p>
@@ -401,7 +401,7 @@
           <a:p>
             <a:fld id="{58D2F95E-5996-4C9B-BC24-BE08262D659D}" type="datetimeFigureOut">
               <a:rPr lang="en-US" smtClean="0"/>
-              <a:t>12/16/2019</a:t>
+              <a:t>12/19/2019</a:t>
             </a:fld>
             <a:endParaRPr lang="en-US"/>
           </a:p>
@@ -800,7 +800,7 @@
           <a:p>
             <a:fld id="{89466727-8F6B-4EB6-8EFC-909E476A2B66}" type="datetimeFigureOut">
               <a:rPr lang="en-US" smtClean="0"/>
-              <a:t>12/16/2019</a:t>
+              <a:t>12/19/2019</a:t>
             </a:fld>
             <a:endParaRPr lang="en-US"/>
           </a:p>
@@ -970,7 +970,7 @@
           <a:p>
             <a:fld id="{89466727-8F6B-4EB6-8EFC-909E476A2B66}" type="datetimeFigureOut">
               <a:rPr lang="en-US" smtClean="0"/>
-              <a:t>12/16/2019</a:t>
+              <a:t>12/19/2019</a:t>
             </a:fld>
             <a:endParaRPr lang="en-US"/>
           </a:p>
@@ -1150,7 +1150,7 @@
           <a:p>
             <a:fld id="{89466727-8F6B-4EB6-8EFC-909E476A2B66}" type="datetimeFigureOut">
               <a:rPr lang="en-US" smtClean="0"/>
-              <a:t>12/16/2019</a:t>
+              <a:t>12/19/2019</a:t>
             </a:fld>
             <a:endParaRPr lang="en-US"/>
           </a:p>
@@ -1320,7 +1320,7 @@
           <a:p>
             <a:fld id="{89466727-8F6B-4EB6-8EFC-909E476A2B66}" type="datetimeFigureOut">
               <a:rPr lang="en-US" smtClean="0"/>
-              <a:t>12/16/2019</a:t>
+              <a:t>12/19/2019</a:t>
             </a:fld>
             <a:endParaRPr lang="en-US"/>
           </a:p>
@@ -1564,7 +1564,7 @@
           <a:p>
             <a:fld id="{89466727-8F6B-4EB6-8EFC-909E476A2B66}" type="datetimeFigureOut">
               <a:rPr lang="en-US" smtClean="0"/>
-              <a:t>12/16/2019</a:t>
+              <a:t>12/19/2019</a:t>
             </a:fld>
             <a:endParaRPr lang="en-US"/>
           </a:p>
@@ -1796,7 +1796,7 @@
           <a:p>
             <a:fld id="{89466727-8F6B-4EB6-8EFC-909E476A2B66}" type="datetimeFigureOut">
               <a:rPr lang="en-US" smtClean="0"/>
-              <a:t>12/16/2019</a:t>
+              <a:t>12/19/2019</a:t>
             </a:fld>
             <a:endParaRPr lang="en-US"/>
           </a:p>
@@ -2163,7 +2163,7 @@
           <a:p>
             <a:fld id="{89466727-8F6B-4EB6-8EFC-909E476A2B66}" type="datetimeFigureOut">
               <a:rPr lang="en-US" smtClean="0"/>
-              <a:t>12/16/2019</a:t>
+              <a:t>12/19/2019</a:t>
             </a:fld>
             <a:endParaRPr lang="en-US"/>
           </a:p>
@@ -2281,7 +2281,7 @@
           <a:p>
             <a:fld id="{89466727-8F6B-4EB6-8EFC-909E476A2B66}" type="datetimeFigureOut">
               <a:rPr lang="en-US" smtClean="0"/>
-              <a:t>12/16/2019</a:t>
+              <a:t>12/19/2019</a:t>
             </a:fld>
             <a:endParaRPr lang="en-US"/>
           </a:p>
@@ -2376,7 +2376,7 @@
           <a:p>
             <a:fld id="{89466727-8F6B-4EB6-8EFC-909E476A2B66}" type="datetimeFigureOut">
               <a:rPr lang="en-US" smtClean="0"/>
-              <a:t>12/16/2019</a:t>
+              <a:t>12/19/2019</a:t>
             </a:fld>
             <a:endParaRPr lang="en-US"/>
           </a:p>
@@ -2653,7 +2653,7 @@
           <a:p>
             <a:fld id="{89466727-8F6B-4EB6-8EFC-909E476A2B66}" type="datetimeFigureOut">
               <a:rPr lang="en-US" smtClean="0"/>
-              <a:t>12/16/2019</a:t>
+              <a:t>12/19/2019</a:t>
             </a:fld>
             <a:endParaRPr lang="en-US"/>
           </a:p>
@@ -2910,7 +2910,7 @@
           <a:p>
             <a:fld id="{89466727-8F6B-4EB6-8EFC-909E476A2B66}" type="datetimeFigureOut">
               <a:rPr lang="en-US" smtClean="0"/>
-              <a:t>12/16/2019</a:t>
+              <a:t>12/19/2019</a:t>
             </a:fld>
             <a:endParaRPr lang="en-US"/>
           </a:p>
@@ -3123,7 +3123,7 @@
           <a:p>
             <a:fld id="{89466727-8F6B-4EB6-8EFC-909E476A2B66}" type="datetimeFigureOut">
               <a:rPr lang="en-US" smtClean="0"/>
-              <a:t>12/16/2019</a:t>
+              <a:t>12/19/2019</a:t>
             </a:fld>
             <a:endParaRPr lang="en-US"/>
           </a:p>
@@ -4159,7 +4159,23 @@
             </a:r>
             <a:r>
               <a:rPr lang="en-US" sz="4000" dirty="0"/>
-              <a:t>exoplanets existence. Below are the confusion matrixes for the random forest model.</a:t>
+              <a:t>exoplanets existence. Below are the confusion </a:t>
+            </a:r>
+            <a:r>
+              <a:rPr lang="en-US" sz="4000" dirty="0" err="1"/>
+              <a:t>matri</a:t>
+            </a:r>
+            <a:r>
+              <a:rPr lang="et-EE" sz="4000" dirty="0"/>
+              <a:t>c</a:t>
+            </a:r>
+            <a:r>
+              <a:rPr lang="en-US" sz="4000"/>
+              <a:t>es </a:t>
+            </a:r>
+            <a:r>
+              <a:rPr lang="en-US" sz="4000" dirty="0"/>
+              <a:t>for the random forest model.</a:t>
             </a:r>
           </a:p>
         </p:txBody>
@@ -4465,7 +4481,7 @@
           <p:nvPr>
             <p:extLst>
               <p:ext uri="{D42A27DB-BD31-4B8C-83A1-F6EECF244321}">
-                <p14:modId xmlns:p14="http://schemas.microsoft.com/office/powerpoint/2010/main" val="960421220"/>
+                <p14:modId xmlns:p14="http://schemas.microsoft.com/office/powerpoint/2010/main" val="3973245413"/>
               </p:ext>
             </p:extLst>
           </p:nvPr>
@@ -4551,7 +4567,7 @@
                       </a:r>
                       <a:r>
                         <a:rPr lang="et-EE" sz="3200" dirty="0" err="1"/>
-                        <a:t>False</a:t>
+                        <a:t>True</a:t>
                       </a:r>
                       <a:endParaRPr lang="en-US" sz="3200" dirty="0"/>
                     </a:p>
@@ -4697,7 +4713,7 @@
           <p:nvPr>
             <p:extLst>
               <p:ext uri="{D42A27DB-BD31-4B8C-83A1-F6EECF244321}">
-                <p14:modId xmlns:p14="http://schemas.microsoft.com/office/powerpoint/2010/main" val="3545992056"/>
+                <p14:modId xmlns:p14="http://schemas.microsoft.com/office/powerpoint/2010/main" val="1527925024"/>
               </p:ext>
             </p:extLst>
           </p:nvPr>
@@ -4783,7 +4799,7 @@
                       </a:r>
                       <a:r>
                         <a:rPr lang="et-EE" sz="3200" dirty="0" err="1"/>
-                        <a:t>False</a:t>
+                        <a:t>True</a:t>
                       </a:r>
                       <a:endParaRPr lang="en-US" sz="3200" dirty="0"/>
                     </a:p>
